--- a/SVN.pptx
+++ b/SVN.pptx
@@ -164,7 +164,7 @@
   </p:defaultTextStyle>
   <p:extLst>
     <p:ext uri="{EFAFB233-063F-42B5-8137-9DF3F51BA10A}">
-      <p15:sldGuideLst xmlns:p15="http://schemas.microsoft.com/office/powerpoint/2012/main">
+      <p15:sldGuideLst xmlns:p15="http://schemas.microsoft.com/office/powerpoint/2012/main" xmlns="">
         <p15:guide id="1" orient="horz" pos="3984">
           <p15:clr>
             <a:srgbClr val="A4A3A4"/>
@@ -178,7 +178,7 @@
       </p15:sldGuideLst>
     </p:ext>
     <p:ext uri="{2D200454-40CA-4A62-9FC3-DE9A4176ACB9}">
-      <p15:notesGuideLst xmlns:p15="http://schemas.microsoft.com/office/powerpoint/2012/main">
+      <p15:notesGuideLst xmlns:p15="http://schemas.microsoft.com/office/powerpoint/2012/main" xmlns="">
         <p15:guide id="1" orient="horz" pos="3107">
           <p15:clr>
             <a:srgbClr val="A4A3A4"/>
@@ -2067,38 +2067,38 @@
     </dgm:pt>
   </dgm:ptLst>
   <dgm:cxnLst>
-    <dgm:cxn modelId="{98B9192C-4DD8-49F2-8823-B68065908FF4}" type="presOf" srcId="{811DCB48-F938-4DDE-98F8-89BE91DD974B}" destId="{A7CD546B-E5B3-4B72-8650-ED32C2857419}" srcOrd="0" destOrd="0" presId="urn:microsoft.com/office/officeart/2005/8/layout/orgChart1"/>
+    <dgm:cxn modelId="{E5847B98-FE37-4F82-BBE5-88B9EA66ABB5}" srcId="{12238F2D-333F-4154-8749-444D559DC2AF}" destId="{879DE114-FD07-45B6-8EFB-FE8507F15976}" srcOrd="0" destOrd="0" parTransId="{D11E8493-B1E1-48F4-8309-D83DF4D7B1EC}" sibTransId="{1F6231D6-24AF-4FC0-94B8-E3B9D06F0C1B}"/>
+    <dgm:cxn modelId="{6313D964-DD9B-4B44-8B5A-298DE02BEC48}" srcId="{6416911C-AFB4-4AF7-B0BA-E2C0522A8777}" destId="{389818CF-5420-4F4E-A56E-FBE471DF3D13}" srcOrd="1" destOrd="0" parTransId="{811DCB48-F938-4DDE-98F8-89BE91DD974B}" sibTransId="{FB611EE5-F803-425F-AFE7-6D857F766DBA}"/>
+    <dgm:cxn modelId="{7DE25B7B-CBE4-4098-85D2-4D0600A064D6}" type="presOf" srcId="{82CFF46B-EA45-4589-9EDD-87781DA8C828}" destId="{818F7C91-80D4-4744-ADCA-3BE7B74EB416}" srcOrd="0" destOrd="0" presId="urn:microsoft.com/office/officeart/2005/8/layout/orgChart1"/>
+    <dgm:cxn modelId="{D5637828-1083-4C9F-91FC-A25C70C70AAA}" type="presOf" srcId="{C374D3E9-09AB-483C-AD09-C696EB67F272}" destId="{F4C26AF9-7772-44AC-9D05-506E9C9418E0}" srcOrd="1" destOrd="0" presId="urn:microsoft.com/office/officeart/2005/8/layout/orgChart1"/>
+    <dgm:cxn modelId="{81108EB4-B380-4F2C-9D50-AB326DF5D9C0}" srcId="{6416911C-AFB4-4AF7-B0BA-E2C0522A8777}" destId="{2026AC6F-CAF0-490B-9500-68A78C439435}" srcOrd="0" destOrd="0" parTransId="{82CFF46B-EA45-4589-9EDD-87781DA8C828}" sibTransId="{1B5724BE-1F75-45EB-A710-4538D1F848A8}"/>
+    <dgm:cxn modelId="{6B00C42D-E40D-4F90-B72F-B3D4082E469F}" type="presOf" srcId="{879DE114-FD07-45B6-8EFB-FE8507F15976}" destId="{D6B0864C-249B-4E3F-8072-627E50AB220B}" srcOrd="0" destOrd="0" presId="urn:microsoft.com/office/officeart/2005/8/layout/orgChart1"/>
+    <dgm:cxn modelId="{96555C1C-F9E0-43CF-AE63-EAF3729E651B}" srcId="{C374D3E9-09AB-483C-AD09-C696EB67F272}" destId="{8C71BCE3-75CF-4C8E-9987-6F3B22BEC836}" srcOrd="0" destOrd="0" parTransId="{CAA9C3A9-B61F-441C-B6D2-E1579F31FFE8}" sibTransId="{0093F8A8-6DEC-475A-A204-4B6720170921}"/>
     <dgm:cxn modelId="{36C16768-1063-4AC2-A816-E696EBE78873}" type="presOf" srcId="{6416911C-AFB4-4AF7-B0BA-E2C0522A8777}" destId="{26F897ED-6DDF-4B0E-8C4A-B16E6242CC44}" srcOrd="1" destOrd="0" presId="urn:microsoft.com/office/officeart/2005/8/layout/orgChart1"/>
-    <dgm:cxn modelId="{E5847B98-FE37-4F82-BBE5-88B9EA66ABB5}" srcId="{12238F2D-333F-4154-8749-444D559DC2AF}" destId="{879DE114-FD07-45B6-8EFB-FE8507F15976}" srcOrd="0" destOrd="0" parTransId="{D11E8493-B1E1-48F4-8309-D83DF4D7B1EC}" sibTransId="{1F6231D6-24AF-4FC0-94B8-E3B9D06F0C1B}"/>
     <dgm:cxn modelId="{A4DC8D4C-690A-4454-94FF-DAE466224D2C}" type="presOf" srcId="{6416911C-AFB4-4AF7-B0BA-E2C0522A8777}" destId="{C4DF8E8A-0AA2-4687-A03E-0ABEEF4C1301}" srcOrd="0" destOrd="0" presId="urn:microsoft.com/office/officeart/2005/8/layout/orgChart1"/>
-    <dgm:cxn modelId="{7AFB0755-04C2-4126-A783-5B10642FDD11}" type="presOf" srcId="{E0BECC95-58F7-4F94-99A8-4BCB77C43311}" destId="{85682350-545C-4058-BB6F-B233382C95BD}" srcOrd="0" destOrd="0" presId="urn:microsoft.com/office/officeart/2005/8/layout/orgChart1"/>
-    <dgm:cxn modelId="{C59EF9E2-CDEF-4050-803E-CC19C2DCA84F}" type="presOf" srcId="{E0BECC95-58F7-4F94-99A8-4BCB77C43311}" destId="{EBDB06B5-72CF-4F7B-9C9C-8E6A1DB7331E}" srcOrd="1" destOrd="0" presId="urn:microsoft.com/office/officeart/2005/8/layout/orgChart1"/>
-    <dgm:cxn modelId="{92727444-E764-4966-8FF2-FDF1071D433E}" type="presOf" srcId="{CAA9C3A9-B61F-441C-B6D2-E1579F31FFE8}" destId="{D9C3537C-EFEA-470F-8E48-557896BBC1EC}" srcOrd="0" destOrd="0" presId="urn:microsoft.com/office/officeart/2005/8/layout/orgChart1"/>
-    <dgm:cxn modelId="{CF3C4F95-EEDC-45DE-86B2-241DA38BBF6D}" type="presOf" srcId="{D708ED85-1E03-4AFD-984E-A97CF63F47EB}" destId="{08A037B5-167B-4A5F-970D-305D3C5FEA77}" srcOrd="0" destOrd="0" presId="urn:microsoft.com/office/officeart/2005/8/layout/orgChart1"/>
-    <dgm:cxn modelId="{96555C1C-F9E0-43CF-AE63-EAF3729E651B}" srcId="{C374D3E9-09AB-483C-AD09-C696EB67F272}" destId="{8C71BCE3-75CF-4C8E-9987-6F3B22BEC836}" srcOrd="0" destOrd="0" parTransId="{CAA9C3A9-B61F-441C-B6D2-E1579F31FFE8}" sibTransId="{0093F8A8-6DEC-475A-A204-4B6720170921}"/>
     <dgm:cxn modelId="{B7405767-223A-4E58-B8B1-CDB5243B8A3A}" type="presOf" srcId="{879DE114-FD07-45B6-8EFB-FE8507F15976}" destId="{75FA2A87-06DE-4D08-B2BF-AFFFEBF255F5}" srcOrd="1" destOrd="0" presId="urn:microsoft.com/office/officeart/2005/8/layout/orgChart1"/>
     <dgm:cxn modelId="{E0D775D1-C537-4FEE-86D9-B3C5F769DDE2}" srcId="{D708ED85-1E03-4AFD-984E-A97CF63F47EB}" destId="{6416911C-AFB4-4AF7-B0BA-E2C0522A8777}" srcOrd="0" destOrd="0" parTransId="{8CE388E8-CC90-4585-8413-02B35E90CE50}" sibTransId="{ED99FCFF-19A0-4F4E-82F2-A75B9A9101C0}"/>
+    <dgm:cxn modelId="{7DE2E310-9D6E-4866-BA72-295CA54467A0}" type="presOf" srcId="{389818CF-5420-4F4E-A56E-FBE471DF3D13}" destId="{E5783B8B-1E73-4EBA-9EBB-202C58037E8F}" srcOrd="0" destOrd="0" presId="urn:microsoft.com/office/officeart/2005/8/layout/orgChart1"/>
+    <dgm:cxn modelId="{350AE63E-3623-4973-8163-6C25F94B1831}" type="presOf" srcId="{12238F2D-333F-4154-8749-444D559DC2AF}" destId="{3E441849-D483-42F2-9B12-CF779D22678F}" srcOrd="0" destOrd="0" presId="urn:microsoft.com/office/officeart/2005/8/layout/orgChart1"/>
+    <dgm:cxn modelId="{5B4F3C10-487A-45D7-BC65-34A5FD2A1688}" type="presOf" srcId="{454B8AE6-676A-494E-9763-D55B94BEB2C4}" destId="{C4B76BF7-6EC9-474A-A138-DA2998EC3127}" srcOrd="0" destOrd="0" presId="urn:microsoft.com/office/officeart/2005/8/layout/orgChart1"/>
     <dgm:cxn modelId="{5E38F7BD-9D5A-42D0-AD7B-A3A5FFCB1C5A}" type="presOf" srcId="{C374D3E9-09AB-483C-AD09-C696EB67F272}" destId="{29B3E026-4EE8-4ED2-864C-C6EDE177B9AA}" srcOrd="0" destOrd="0" presId="urn:microsoft.com/office/officeart/2005/8/layout/orgChart1"/>
+    <dgm:cxn modelId="{81F1585F-9C44-41C6-BB0F-9CD429DE9CEC}" srcId="{6416911C-AFB4-4AF7-B0BA-E2C0522A8777}" destId="{12238F2D-333F-4154-8749-444D559DC2AF}" srcOrd="3" destOrd="0" parTransId="{3EAE53CC-A7E8-4A49-9FE6-D58ACDDBB69E}" sibTransId="{1ED06AA5-3551-44BA-B098-EEB2983ECFED}"/>
+    <dgm:cxn modelId="{00EC1E79-E0E8-4371-A344-768F3C5E2EF6}" type="presOf" srcId="{12238F2D-333F-4154-8749-444D559DC2AF}" destId="{5F5CE551-6714-45D6-AEA4-10D871670EB1}" srcOrd="1" destOrd="0" presId="urn:microsoft.com/office/officeart/2005/8/layout/orgChart1"/>
+    <dgm:cxn modelId="{0132E718-8632-4F23-A778-B5EE2FC44111}" type="presOf" srcId="{8C71BCE3-75CF-4C8E-9987-6F3B22BEC836}" destId="{3794EF1A-D5E6-456E-BBD9-957F88DF4C0A}" srcOrd="1" destOrd="0" presId="urn:microsoft.com/office/officeart/2005/8/layout/orgChart1"/>
+    <dgm:cxn modelId="{92727444-E764-4966-8FF2-FDF1071D433E}" type="presOf" srcId="{CAA9C3A9-B61F-441C-B6D2-E1579F31FFE8}" destId="{D9C3537C-EFEA-470F-8E48-557896BBC1EC}" srcOrd="0" destOrd="0" presId="urn:microsoft.com/office/officeart/2005/8/layout/orgChart1"/>
+    <dgm:cxn modelId="{13895B36-2E00-4926-8852-49F23AE71E83}" type="presOf" srcId="{3EAE53CC-A7E8-4A49-9FE6-D58ACDDBB69E}" destId="{78C7083E-E707-4ED7-949B-7DDE077F59CD}" srcOrd="0" destOrd="0" presId="urn:microsoft.com/office/officeart/2005/8/layout/orgChart1"/>
+    <dgm:cxn modelId="{98B9192C-4DD8-49F2-8823-B68065908FF4}" type="presOf" srcId="{811DCB48-F938-4DDE-98F8-89BE91DD974B}" destId="{A7CD546B-E5B3-4B72-8650-ED32C2857419}" srcOrd="0" destOrd="0" presId="urn:microsoft.com/office/officeart/2005/8/layout/orgChart1"/>
+    <dgm:cxn modelId="{C59EF9E2-CDEF-4050-803E-CC19C2DCA84F}" type="presOf" srcId="{E0BECC95-58F7-4F94-99A8-4BCB77C43311}" destId="{EBDB06B5-72CF-4F7B-9C9C-8E6A1DB7331E}" srcOrd="1" destOrd="0" presId="urn:microsoft.com/office/officeart/2005/8/layout/orgChart1"/>
+    <dgm:cxn modelId="{25B8F8B5-AC52-4BF2-B19D-E4F8EB7F1B36}" type="presOf" srcId="{8C71BCE3-75CF-4C8E-9987-6F3B22BEC836}" destId="{799A95A9-7D7C-4DE0-8C34-B3830B3EE434}" srcOrd="0" destOrd="0" presId="urn:microsoft.com/office/officeart/2005/8/layout/orgChart1"/>
+    <dgm:cxn modelId="{CF3C4F95-EEDC-45DE-86B2-241DA38BBF6D}" type="presOf" srcId="{D708ED85-1E03-4AFD-984E-A97CF63F47EB}" destId="{08A037B5-167B-4A5F-970D-305D3C5FEA77}" srcOrd="0" destOrd="0" presId="urn:microsoft.com/office/officeart/2005/8/layout/orgChart1"/>
+    <dgm:cxn modelId="{7AFB0755-04C2-4126-A783-5B10642FDD11}" type="presOf" srcId="{E0BECC95-58F7-4F94-99A8-4BCB77C43311}" destId="{85682350-545C-4058-BB6F-B233382C95BD}" srcOrd="0" destOrd="0" presId="urn:microsoft.com/office/officeart/2005/8/layout/orgChart1"/>
+    <dgm:cxn modelId="{7C0DF0F2-4F8B-48EC-99CF-DC0AB84FF2C7}" type="presOf" srcId="{2026AC6F-CAF0-490B-9500-68A78C439435}" destId="{5E02ECA5-D0BD-4739-B37E-F249E2D093B5}" srcOrd="0" destOrd="0" presId="urn:microsoft.com/office/officeart/2005/8/layout/orgChart1"/>
+    <dgm:cxn modelId="{B3C33395-BB40-4538-BFC1-5466D3703DB0}" srcId="{389818CF-5420-4F4E-A56E-FBE471DF3D13}" destId="{E0BECC95-58F7-4F94-99A8-4BCB77C43311}" srcOrd="0" destOrd="0" parTransId="{454B8AE6-676A-494E-9763-D55B94BEB2C4}" sibTransId="{EE905422-4369-40CE-8300-E1B9E1B42D5F}"/>
+    <dgm:cxn modelId="{2D4BA21F-877F-4EDF-BEDE-6151C41BA1AA}" type="presOf" srcId="{2026AC6F-CAF0-490B-9500-68A78C439435}" destId="{56531970-00E6-4823-88D1-3FD8073DC4D2}" srcOrd="1" destOrd="0" presId="urn:microsoft.com/office/officeart/2005/8/layout/orgChart1"/>
     <dgm:cxn modelId="{59B21B0E-CB35-4D31-8192-8466BE0A5D95}" type="presOf" srcId="{045117E9-B016-4F68-BA1E-3834471AF87A}" destId="{3AE02849-5F34-43AF-9E1E-2282E14FCF95}" srcOrd="0" destOrd="0" presId="urn:microsoft.com/office/officeart/2005/8/layout/orgChart1"/>
-    <dgm:cxn modelId="{7DE25B7B-CBE4-4098-85D2-4D0600A064D6}" type="presOf" srcId="{82CFF46B-EA45-4589-9EDD-87781DA8C828}" destId="{818F7C91-80D4-4744-ADCA-3BE7B74EB416}" srcOrd="0" destOrd="0" presId="urn:microsoft.com/office/officeart/2005/8/layout/orgChart1"/>
-    <dgm:cxn modelId="{D5637828-1083-4C9F-91FC-A25C70C70AAA}" type="presOf" srcId="{C374D3E9-09AB-483C-AD09-C696EB67F272}" destId="{F4C26AF9-7772-44AC-9D05-506E9C9418E0}" srcOrd="1" destOrd="0" presId="urn:microsoft.com/office/officeart/2005/8/layout/orgChart1"/>
+    <dgm:cxn modelId="{209C630A-C482-4F24-8A3A-93039E30563F}" srcId="{6416911C-AFB4-4AF7-B0BA-E2C0522A8777}" destId="{C374D3E9-09AB-483C-AD09-C696EB67F272}" srcOrd="2" destOrd="0" parTransId="{045117E9-B016-4F68-BA1E-3834471AF87A}" sibTransId="{11E18253-8022-4DD7-8022-4BB70E66C220}"/>
     <dgm:cxn modelId="{F9FE4FE0-A488-4AA5-9AC0-F78865A9EC3D}" type="presOf" srcId="{389818CF-5420-4F4E-A56E-FBE471DF3D13}" destId="{A4EA6579-8E0D-44A4-BE83-13767364C258}" srcOrd="1" destOrd="0" presId="urn:microsoft.com/office/officeart/2005/8/layout/orgChart1"/>
-    <dgm:cxn modelId="{13895B36-2E00-4926-8852-49F23AE71E83}" type="presOf" srcId="{3EAE53CC-A7E8-4A49-9FE6-D58ACDDBB69E}" destId="{78C7083E-E707-4ED7-949B-7DDE077F59CD}" srcOrd="0" destOrd="0" presId="urn:microsoft.com/office/officeart/2005/8/layout/orgChart1"/>
-    <dgm:cxn modelId="{25B8F8B5-AC52-4BF2-B19D-E4F8EB7F1B36}" type="presOf" srcId="{8C71BCE3-75CF-4C8E-9987-6F3B22BEC836}" destId="{799A95A9-7D7C-4DE0-8C34-B3830B3EE434}" srcOrd="0" destOrd="0" presId="urn:microsoft.com/office/officeart/2005/8/layout/orgChart1"/>
-    <dgm:cxn modelId="{5B4F3C10-487A-45D7-BC65-34A5FD2A1688}" type="presOf" srcId="{454B8AE6-676A-494E-9763-D55B94BEB2C4}" destId="{C4B76BF7-6EC9-474A-A138-DA2998EC3127}" srcOrd="0" destOrd="0" presId="urn:microsoft.com/office/officeart/2005/8/layout/orgChart1"/>
-    <dgm:cxn modelId="{7DE2E310-9D6E-4866-BA72-295CA54467A0}" type="presOf" srcId="{389818CF-5420-4F4E-A56E-FBE471DF3D13}" destId="{E5783B8B-1E73-4EBA-9EBB-202C58037E8F}" srcOrd="0" destOrd="0" presId="urn:microsoft.com/office/officeart/2005/8/layout/orgChart1"/>
-    <dgm:cxn modelId="{00EC1E79-E0E8-4371-A344-768F3C5E2EF6}" type="presOf" srcId="{12238F2D-333F-4154-8749-444D559DC2AF}" destId="{5F5CE551-6714-45D6-AEA4-10D871670EB1}" srcOrd="1" destOrd="0" presId="urn:microsoft.com/office/officeart/2005/8/layout/orgChart1"/>
-    <dgm:cxn modelId="{81F1585F-9C44-41C6-BB0F-9CD429DE9CEC}" srcId="{6416911C-AFB4-4AF7-B0BA-E2C0522A8777}" destId="{12238F2D-333F-4154-8749-444D559DC2AF}" srcOrd="3" destOrd="0" parTransId="{3EAE53CC-A7E8-4A49-9FE6-D58ACDDBB69E}" sibTransId="{1ED06AA5-3551-44BA-B098-EEB2983ECFED}"/>
-    <dgm:cxn modelId="{6313D964-DD9B-4B44-8B5A-298DE02BEC48}" srcId="{6416911C-AFB4-4AF7-B0BA-E2C0522A8777}" destId="{389818CF-5420-4F4E-A56E-FBE471DF3D13}" srcOrd="1" destOrd="0" parTransId="{811DCB48-F938-4DDE-98F8-89BE91DD974B}" sibTransId="{FB611EE5-F803-425F-AFE7-6D857F766DBA}"/>
-    <dgm:cxn modelId="{0132E718-8632-4F23-A778-B5EE2FC44111}" type="presOf" srcId="{8C71BCE3-75CF-4C8E-9987-6F3B22BEC836}" destId="{3794EF1A-D5E6-456E-BBD9-957F88DF4C0A}" srcOrd="1" destOrd="0" presId="urn:microsoft.com/office/officeart/2005/8/layout/orgChart1"/>
-    <dgm:cxn modelId="{7C0DF0F2-4F8B-48EC-99CF-DC0AB84FF2C7}" type="presOf" srcId="{2026AC6F-CAF0-490B-9500-68A78C439435}" destId="{5E02ECA5-D0BD-4739-B37E-F249E2D093B5}" srcOrd="0" destOrd="0" presId="urn:microsoft.com/office/officeart/2005/8/layout/orgChart1"/>
-    <dgm:cxn modelId="{81108EB4-B380-4F2C-9D50-AB326DF5D9C0}" srcId="{6416911C-AFB4-4AF7-B0BA-E2C0522A8777}" destId="{2026AC6F-CAF0-490B-9500-68A78C439435}" srcOrd="0" destOrd="0" parTransId="{82CFF46B-EA45-4589-9EDD-87781DA8C828}" sibTransId="{1B5724BE-1F75-45EB-A710-4538D1F848A8}"/>
-    <dgm:cxn modelId="{6B00C42D-E40D-4F90-B72F-B3D4082E469F}" type="presOf" srcId="{879DE114-FD07-45B6-8EFB-FE8507F15976}" destId="{D6B0864C-249B-4E3F-8072-627E50AB220B}" srcOrd="0" destOrd="0" presId="urn:microsoft.com/office/officeart/2005/8/layout/orgChart1"/>
-    <dgm:cxn modelId="{2D4BA21F-877F-4EDF-BEDE-6151C41BA1AA}" type="presOf" srcId="{2026AC6F-CAF0-490B-9500-68A78C439435}" destId="{56531970-00E6-4823-88D1-3FD8073DC4D2}" srcOrd="1" destOrd="0" presId="urn:microsoft.com/office/officeart/2005/8/layout/orgChart1"/>
-    <dgm:cxn modelId="{209C630A-C482-4F24-8A3A-93039E30563F}" srcId="{6416911C-AFB4-4AF7-B0BA-E2C0522A8777}" destId="{C374D3E9-09AB-483C-AD09-C696EB67F272}" srcOrd="2" destOrd="0" parTransId="{045117E9-B016-4F68-BA1E-3834471AF87A}" sibTransId="{11E18253-8022-4DD7-8022-4BB70E66C220}"/>
     <dgm:cxn modelId="{0C4B0A45-ABA3-4AB1-8483-19E1508ADDF7}" type="presOf" srcId="{D11E8493-B1E1-48F4-8309-D83DF4D7B1EC}" destId="{A66D5385-6571-42B7-98C4-6110ACC17776}" srcOrd="0" destOrd="0" presId="urn:microsoft.com/office/officeart/2005/8/layout/orgChart1"/>
-    <dgm:cxn modelId="{B3C33395-BB40-4538-BFC1-5466D3703DB0}" srcId="{389818CF-5420-4F4E-A56E-FBE471DF3D13}" destId="{E0BECC95-58F7-4F94-99A8-4BCB77C43311}" srcOrd="0" destOrd="0" parTransId="{454B8AE6-676A-494E-9763-D55B94BEB2C4}" sibTransId="{EE905422-4369-40CE-8300-E1B9E1B42D5F}"/>
-    <dgm:cxn modelId="{350AE63E-3623-4973-8163-6C25F94B1831}" type="presOf" srcId="{12238F2D-333F-4154-8749-444D559DC2AF}" destId="{3E441849-D483-42F2-9B12-CF779D22678F}" srcOrd="0" destOrd="0" presId="urn:microsoft.com/office/officeart/2005/8/layout/orgChart1"/>
     <dgm:cxn modelId="{994FCEDC-0A39-4B40-86E6-93B37DA6DE1B}" type="presParOf" srcId="{08A037B5-167B-4A5F-970D-305D3C5FEA77}" destId="{5D9CBC7F-4505-4D24-90F3-947B42B65D6E}" srcOrd="0" destOrd="0" presId="urn:microsoft.com/office/officeart/2005/8/layout/orgChart1"/>
     <dgm:cxn modelId="{71FAB003-49F2-4F60-8339-6674DBE8D899}" type="presParOf" srcId="{5D9CBC7F-4505-4D24-90F3-947B42B65D6E}" destId="{E0EC9183-F9C8-4C42-AC65-AE02C659AA28}" srcOrd="0" destOrd="0" presId="urn:microsoft.com/office/officeart/2005/8/layout/orgChart1"/>
     <dgm:cxn modelId="{A139A67D-5ADD-4169-964A-59BC2EB90AFD}" type="presParOf" srcId="{E0EC9183-F9C8-4C42-AC65-AE02C659AA28}" destId="{C4DF8E8A-0AA2-4687-A03E-0ABEEF4C1301}" srcOrd="0" destOrd="0" presId="urn:microsoft.com/office/officeart/2005/8/layout/orgChart1"/>
@@ -5557,6 +5557,11 @@
         </p:txBody>
       </p:sp>
     </p:spTree>
+    <p:extLst>
+      <p:ext uri="{BB962C8B-B14F-4D97-AF65-F5344CB8AC3E}">
+        <p14:creationId xmlns:p14="http://schemas.microsoft.com/office/powerpoint/2010/main" val="819601568"/>
+      </p:ext>
+    </p:extLst>
   </p:cSld>
   <p:clrMap bg1="lt1" tx1="dk1" bg2="lt2" tx2="dk2" accent1="accent1" accent2="accent2" accent3="accent3" accent4="accent4" accent5="accent5" accent6="accent6" hlink="hlink" folHlink="folHlink"/>
 </p:handoutMaster>
@@ -9096,6 +9101,11 @@
         </p:sp>
       </p:grpSp>
     </p:spTree>
+    <p:extLst>
+      <p:ext uri="{BB962C8B-B14F-4D97-AF65-F5344CB8AC3E}">
+        <p14:creationId xmlns:p14="http://schemas.microsoft.com/office/powerpoint/2010/main" val="3740736475"/>
+      </p:ext>
+    </p:extLst>
   </p:cSld>
   <p:clrMap bg1="lt1" tx1="dk1" bg2="lt2" tx2="dk2" accent1="accent1" accent2="accent2" accent3="accent3" accent4="accent4" accent5="accent5" accent6="accent6" hlink="hlink" folHlink="folHlink"/>
   <p:notesStyle>
@@ -9322,6 +9332,402 @@
         </p:txBody>
       </p:sp>
     </p:spTree>
+  </p:cSld>
+  <p:clrMapOvr>
+    <a:masterClrMapping/>
+  </p:clrMapOvr>
+</p:notes>
+</file>
+
+<file path=ppt/notesSlides/notesSlide2.xml><?xml version="1.0" encoding="utf-8"?>
+<p:notes xmlns:a="http://schemas.openxmlformats.org/drawingml/2006/main" xmlns:r="http://schemas.openxmlformats.org/officeDocument/2006/relationships" xmlns:p="http://schemas.openxmlformats.org/presentationml/2006/main">
+  <p:cSld>
+    <p:spTree>
+      <p:nvGrpSpPr>
+        <p:cNvPr id="1" name=""/>
+        <p:cNvGrpSpPr/>
+        <p:nvPr/>
+      </p:nvGrpSpPr>
+      <p:grpSpPr>
+        <a:xfrm>
+          <a:off x="0" y="0"/>
+          <a:ext cx="0" cy="0"/>
+          <a:chOff x="0" y="0"/>
+          <a:chExt cx="0" cy="0"/>
+        </a:xfrm>
+      </p:grpSpPr>
+      <p:sp>
+        <p:nvSpPr>
+          <p:cNvPr id="2" name="Folienbildplatzhalter 1"/>
+          <p:cNvSpPr>
+            <a:spLocks noGrp="1" noRot="1" noChangeAspect="1"/>
+          </p:cNvSpPr>
+          <p:nvPr>
+            <p:ph type="sldImg"/>
+          </p:nvPr>
+        </p:nvSpPr>
+        <p:spPr/>
+      </p:sp>
+      <p:sp>
+        <p:nvSpPr>
+          <p:cNvPr id="3" name="Notizenplatzhalter 2"/>
+          <p:cNvSpPr>
+            <a:spLocks noGrp="1"/>
+          </p:cNvSpPr>
+          <p:nvPr>
+            <p:ph type="body" idx="1"/>
+          </p:nvPr>
+        </p:nvSpPr>
+        <p:spPr>
+          <a:xfrm>
+            <a:off x="666750" y="4686300"/>
+            <a:ext cx="5329238" cy="4440238"/>
+          </a:xfrm>
+          <a:prstGeom prst="rect">
+            <a:avLst/>
+          </a:prstGeom>
+        </p:spPr>
+        <p:txBody>
+          <a:bodyPr/>
+          <a:lstStyle/>
+          <a:p>
+            <a:r>
+              <a:rPr lang="de-DE" sz="2000" dirty="0" smtClean="0"/>
+              <a:t>Arbeit mit mehreren Personen gleichzeitig:</a:t>
+            </a:r>
+          </a:p>
+          <a:p>
+            <a:pPr marL="342900" indent="-342900">
+              <a:buFont typeface="Arial" panose="020B0604020202020204" pitchFamily="34" charset="0"/>
+              <a:buChar char="•"/>
+            </a:pPr>
+            <a:r>
+              <a:rPr lang="de-DE" sz="2000" dirty="0" smtClean="0"/>
+              <a:t>FTP</a:t>
+            </a:r>
+            <a:r>
+              <a:rPr lang="de-DE" sz="2000" baseline="0" dirty="0" smtClean="0"/>
+              <a:t> und Dropbox klar nein</a:t>
+            </a:r>
+          </a:p>
+          <a:p>
+            <a:pPr marL="342900" indent="-342900">
+              <a:buFont typeface="Arial" panose="020B0604020202020204" pitchFamily="34" charset="0"/>
+              <a:buChar char="•"/>
+            </a:pPr>
+            <a:r>
+              <a:rPr lang="de-DE" sz="2000" baseline="0" dirty="0" smtClean="0"/>
+              <a:t>Auch SVN Nein, besitzt aber Konfliktmanagement </a:t>
+            </a:r>
+            <a:r>
+              <a:rPr lang="de-DE" sz="2000" baseline="0" dirty="0" smtClean="0">
+                <a:sym typeface="Wingdings" panose="05000000000000000000" pitchFamily="2" charset="2"/>
+              </a:rPr>
+              <a:t> Live Demo</a:t>
+            </a:r>
+          </a:p>
+          <a:p>
+            <a:pPr marL="342900" indent="-342900">
+              <a:buFont typeface="Arial" panose="020B0604020202020204" pitchFamily="34" charset="0"/>
+              <a:buChar char="•"/>
+            </a:pPr>
+            <a:r>
+              <a:rPr lang="de-DE" sz="2000" baseline="0" dirty="0" smtClean="0">
+                <a:sym typeface="Wingdings" panose="05000000000000000000" pitchFamily="2" charset="2"/>
+              </a:rPr>
+              <a:t>Gleichzeitiges Bearbeiten nur mit Online-Server</a:t>
+            </a:r>
+          </a:p>
+          <a:p>
+            <a:pPr marL="0" indent="0">
+              <a:buFont typeface="Arial" panose="020B0604020202020204" pitchFamily="34" charset="0"/>
+              <a:buNone/>
+            </a:pPr>
+            <a:r>
+              <a:rPr lang="de-DE" sz="2000" baseline="0" dirty="0" smtClean="0">
+                <a:sym typeface="Wingdings" panose="05000000000000000000" pitchFamily="2" charset="2"/>
+              </a:rPr>
+              <a:t>Eigener Aufwand:</a:t>
+            </a:r>
+          </a:p>
+          <a:p>
+            <a:pPr marL="342900" indent="-342900">
+              <a:buFont typeface="Arial" panose="020B0604020202020204" pitchFamily="34" charset="0"/>
+              <a:buChar char="•"/>
+            </a:pPr>
+            <a:r>
+              <a:rPr lang="de-DE" sz="2000" baseline="0" dirty="0" smtClean="0">
+                <a:sym typeface="Wingdings" panose="05000000000000000000" pitchFamily="2" charset="2"/>
+              </a:rPr>
+              <a:t>Dropbox Sache von einer 1 Minute</a:t>
+            </a:r>
+          </a:p>
+          <a:p>
+            <a:pPr marL="342900" indent="-342900">
+              <a:buFont typeface="Arial" panose="020B0604020202020204" pitchFamily="34" charset="0"/>
+              <a:buChar char="•"/>
+            </a:pPr>
+            <a:r>
+              <a:rPr lang="de-DE" sz="2000" baseline="0" dirty="0" smtClean="0">
+                <a:sym typeface="Wingdings" panose="05000000000000000000" pitchFamily="2" charset="2"/>
+              </a:rPr>
+              <a:t>FTP Server muss aufgesetzt werden und Benutzer angelegt werden</a:t>
+            </a:r>
+          </a:p>
+          <a:p>
+            <a:pPr marL="342900" indent="-342900">
+              <a:buFont typeface="Arial" panose="020B0604020202020204" pitchFamily="34" charset="0"/>
+              <a:buChar char="•"/>
+            </a:pPr>
+            <a:r>
+              <a:rPr lang="de-DE" sz="2000" baseline="0" dirty="0" smtClean="0">
+                <a:sym typeface="Wingdings" panose="05000000000000000000" pitchFamily="2" charset="2"/>
+              </a:rPr>
+              <a:t>SVN muss Repository aufgesetzt werden, Benutzer angelegt und lokale Client-Software installieren</a:t>
+            </a:r>
+          </a:p>
+          <a:p>
+            <a:pPr marL="0" indent="0">
+              <a:buFont typeface="Arial" panose="020B0604020202020204" pitchFamily="34" charset="0"/>
+              <a:buNone/>
+            </a:pPr>
+            <a:r>
+              <a:rPr lang="de-DE" sz="2000" baseline="0" dirty="0" smtClean="0">
+                <a:sym typeface="Wingdings" panose="05000000000000000000" pitchFamily="2" charset="2"/>
+              </a:rPr>
+              <a:t>Konsistenter Dateizustand</a:t>
+            </a:r>
+          </a:p>
+          <a:p>
+            <a:pPr marL="342900" indent="-342900">
+              <a:buFont typeface="Arial" panose="020B0604020202020204" pitchFamily="34" charset="0"/>
+              <a:buChar char="•"/>
+            </a:pPr>
+            <a:r>
+              <a:rPr lang="de-DE" sz="2000" baseline="0" dirty="0" smtClean="0">
+                <a:sym typeface="Wingdings" panose="05000000000000000000" pitchFamily="2" charset="2"/>
+              </a:rPr>
+              <a:t>Bei Dropbox schlagen Änderungen immer sofort durch, bei fehlerhafter Speicherung ist keine funktionierende Version mehr vorhanden</a:t>
+            </a:r>
+          </a:p>
+          <a:p>
+            <a:pPr marL="342900" indent="-342900">
+              <a:buFont typeface="Arial" panose="020B0604020202020204" pitchFamily="34" charset="0"/>
+              <a:buChar char="•"/>
+            </a:pPr>
+            <a:r>
+              <a:rPr lang="de-DE" sz="2000" baseline="0" dirty="0" smtClean="0">
+                <a:sym typeface="Wingdings" panose="05000000000000000000" pitchFamily="2" charset="2"/>
+              </a:rPr>
+              <a:t>Bei FTP lokale Kopie, Chance funktionierende Datei vom Server zu nehmen</a:t>
+            </a:r>
+          </a:p>
+          <a:p>
+            <a:pPr marL="342900" indent="-342900">
+              <a:buFont typeface="Arial" panose="020B0604020202020204" pitchFamily="34" charset="0"/>
+              <a:buChar char="•"/>
+            </a:pPr>
+            <a:r>
+              <a:rPr lang="de-DE" sz="2000" baseline="0" dirty="0" smtClean="0">
+                <a:sym typeface="Wingdings" panose="05000000000000000000" pitchFamily="2" charset="2"/>
+              </a:rPr>
+              <a:t>Bei SVN 1. lokale Kopie, 2. Versionsnachverfolgung  Live Demo</a:t>
+            </a:r>
+          </a:p>
+          <a:p>
+            <a:pPr marL="0" indent="0">
+              <a:buFont typeface="Arial" panose="020B0604020202020204" pitchFamily="34" charset="0"/>
+              <a:buNone/>
+            </a:pPr>
+            <a:r>
+              <a:rPr lang="de-DE" sz="2000" baseline="0" dirty="0" smtClean="0">
+                <a:sym typeface="Wingdings" panose="05000000000000000000" pitchFamily="2" charset="2"/>
+              </a:rPr>
+              <a:t>Zugriffsbeschränkung</a:t>
+            </a:r>
+          </a:p>
+          <a:p>
+            <a:pPr marL="342900" indent="-342900">
+              <a:buFont typeface="Arial" panose="020B0604020202020204" pitchFamily="34" charset="0"/>
+              <a:buChar char="•"/>
+            </a:pPr>
+            <a:r>
+              <a:rPr lang="de-DE" sz="2000" baseline="0" dirty="0" smtClean="0">
+                <a:sym typeface="Wingdings" panose="05000000000000000000" pitchFamily="2" charset="2"/>
+              </a:rPr>
+              <a:t>Dropbox: Entweder Vollzugriff oder nichts</a:t>
+            </a:r>
+          </a:p>
+          <a:p>
+            <a:pPr marL="342900" indent="-342900">
+              <a:buFont typeface="Arial" panose="020B0604020202020204" pitchFamily="34" charset="0"/>
+              <a:buChar char="•"/>
+            </a:pPr>
+            <a:r>
+              <a:rPr lang="de-DE" sz="2000" baseline="0" dirty="0" smtClean="0">
+                <a:sym typeface="Wingdings" panose="05000000000000000000" pitchFamily="2" charset="2"/>
+              </a:rPr>
+              <a:t>FTP: Nur bestimmte Verzeichnisse, nur Read-</a:t>
+            </a:r>
+            <a:r>
+              <a:rPr lang="de-DE" sz="2000" baseline="0" dirty="0" err="1" smtClean="0">
+                <a:sym typeface="Wingdings" panose="05000000000000000000" pitchFamily="2" charset="2"/>
+              </a:rPr>
+              <a:t>Only</a:t>
+            </a:r>
+            <a:endParaRPr lang="de-DE" sz="2000" baseline="0" dirty="0" smtClean="0">
+              <a:sym typeface="Wingdings" panose="05000000000000000000" pitchFamily="2" charset="2"/>
+            </a:endParaRPr>
+          </a:p>
+          <a:p>
+            <a:pPr marL="342900" indent="-342900">
+              <a:buFont typeface="Arial" panose="020B0604020202020204" pitchFamily="34" charset="0"/>
+              <a:buChar char="•"/>
+            </a:pPr>
+            <a:r>
+              <a:rPr lang="de-DE" sz="2000" baseline="0" dirty="0" smtClean="0">
+                <a:sym typeface="Wingdings" panose="05000000000000000000" pitchFamily="2" charset="2"/>
+              </a:rPr>
+              <a:t>SVN: Nur bestimmte Verzeichnisse, nur auschecken, nicht </a:t>
+            </a:r>
+            <a:r>
+              <a:rPr lang="de-DE" sz="2000" baseline="0" dirty="0" err="1" smtClean="0">
+                <a:sym typeface="Wingdings" panose="05000000000000000000" pitchFamily="2" charset="2"/>
+              </a:rPr>
+              <a:t>commiten</a:t>
+            </a:r>
+            <a:endParaRPr lang="de-DE" sz="2000" baseline="0" dirty="0" smtClean="0">
+              <a:sym typeface="Wingdings" panose="05000000000000000000" pitchFamily="2" charset="2"/>
+            </a:endParaRPr>
+          </a:p>
+          <a:p>
+            <a:pPr marL="0" indent="0">
+              <a:buFont typeface="Arial" panose="020B0604020202020204" pitchFamily="34" charset="0"/>
+              <a:buNone/>
+            </a:pPr>
+            <a:r>
+              <a:rPr lang="de-DE" sz="2000" baseline="0" dirty="0" smtClean="0">
+                <a:sym typeface="Wingdings" panose="05000000000000000000" pitchFamily="2" charset="2"/>
+              </a:rPr>
+              <a:t>Kommentare:</a:t>
+            </a:r>
+          </a:p>
+          <a:p>
+            <a:pPr marL="342900" indent="-342900">
+              <a:buFont typeface="Arial" panose="020B0604020202020204" pitchFamily="34" charset="0"/>
+              <a:buChar char="•"/>
+            </a:pPr>
+            <a:r>
+              <a:rPr lang="de-DE" sz="2000" baseline="0" dirty="0" smtClean="0">
+                <a:sym typeface="Wingdings" panose="05000000000000000000" pitchFamily="2" charset="2"/>
+              </a:rPr>
+              <a:t>Dropbox und FTP nicht möglich, keine Information über Änderungen</a:t>
+            </a:r>
+          </a:p>
+          <a:p>
+            <a:pPr marL="342900" indent="-342900">
+              <a:buFont typeface="Arial" panose="020B0604020202020204" pitchFamily="34" charset="0"/>
+              <a:buChar char="•"/>
+            </a:pPr>
+            <a:r>
+              <a:rPr lang="de-DE" sz="2000" baseline="0" dirty="0" smtClean="0">
+                <a:sym typeface="Wingdings" panose="05000000000000000000" pitchFamily="2" charset="2"/>
+              </a:rPr>
+              <a:t>SVN möglich und sogar manchmal verpflichtend  Änderung klar</a:t>
+            </a:r>
+          </a:p>
+          <a:p>
+            <a:pPr marL="0" indent="0">
+              <a:buFont typeface="Arial" panose="020B0604020202020204" pitchFamily="34" charset="0"/>
+              <a:buNone/>
+            </a:pPr>
+            <a:r>
+              <a:rPr lang="de-DE" sz="2000" baseline="0" dirty="0" smtClean="0">
+                <a:sym typeface="Wingdings" panose="05000000000000000000" pitchFamily="2" charset="2"/>
+              </a:rPr>
+              <a:t>IDE-Integration</a:t>
+            </a:r>
+          </a:p>
+          <a:p>
+            <a:pPr marL="342900" indent="-342900">
+              <a:buFont typeface="Arial" panose="020B0604020202020204" pitchFamily="34" charset="0"/>
+              <a:buChar char="•"/>
+            </a:pPr>
+            <a:r>
+              <a:rPr lang="de-DE" sz="2000" baseline="0" dirty="0" smtClean="0">
+                <a:sym typeface="Wingdings" panose="05000000000000000000" pitchFamily="2" charset="2"/>
+              </a:rPr>
+              <a:t>Bei Dropbox schlägt die Änderung sofort durch</a:t>
+            </a:r>
+          </a:p>
+          <a:p>
+            <a:pPr marL="342900" indent="-342900">
+              <a:buFont typeface="Arial" panose="020B0604020202020204" pitchFamily="34" charset="0"/>
+              <a:buChar char="•"/>
+            </a:pPr>
+            <a:r>
+              <a:rPr lang="de-DE" sz="2000" baseline="0" dirty="0" smtClean="0">
+                <a:sym typeface="Wingdings" panose="05000000000000000000" pitchFamily="2" charset="2"/>
+              </a:rPr>
+              <a:t>Bei FTP muss Datei nach Änderung selbst hochgeladen werden</a:t>
+            </a:r>
+          </a:p>
+          <a:p>
+            <a:pPr marL="342900" indent="-342900">
+              <a:buFont typeface="Arial" panose="020B0604020202020204" pitchFamily="34" charset="0"/>
+              <a:buChar char="•"/>
+            </a:pPr>
+            <a:r>
+              <a:rPr lang="de-DE" sz="2000" baseline="0" dirty="0" smtClean="0">
+                <a:sym typeface="Wingdings" panose="05000000000000000000" pitchFamily="2" charset="2"/>
+              </a:rPr>
+              <a:t>Bei SVN kann z. B. </a:t>
+            </a:r>
+            <a:r>
+              <a:rPr lang="de-DE" sz="2000" baseline="0" dirty="0" err="1" smtClean="0">
+                <a:sym typeface="Wingdings" panose="05000000000000000000" pitchFamily="2" charset="2"/>
+              </a:rPr>
+              <a:t>Eclipse</a:t>
+            </a:r>
+            <a:r>
+              <a:rPr lang="de-DE" sz="2000" baseline="0" dirty="0" smtClean="0">
+                <a:sym typeface="Wingdings" panose="05000000000000000000" pitchFamily="2" charset="2"/>
+              </a:rPr>
+              <a:t> das Auschecken und </a:t>
+            </a:r>
+            <a:r>
+              <a:rPr lang="de-DE" sz="2000" baseline="0" dirty="0" err="1" smtClean="0">
+                <a:sym typeface="Wingdings" panose="05000000000000000000" pitchFamily="2" charset="2"/>
+              </a:rPr>
+              <a:t>Commiten</a:t>
+            </a:r>
+            <a:r>
+              <a:rPr lang="de-DE" sz="2000" baseline="0" dirty="0" smtClean="0">
+                <a:sym typeface="Wingdings" panose="05000000000000000000" pitchFamily="2" charset="2"/>
+              </a:rPr>
+              <a:t> übernehmen</a:t>
+            </a:r>
+          </a:p>
+          <a:p>
+            <a:pPr marL="0" indent="0">
+              <a:buFont typeface="Arial" panose="020B0604020202020204" pitchFamily="34" charset="0"/>
+              <a:buNone/>
+            </a:pPr>
+            <a:r>
+              <a:rPr lang="de-DE" sz="2000" baseline="0" dirty="0" smtClean="0">
+                <a:sym typeface="Wingdings" panose="05000000000000000000" pitchFamily="2" charset="2"/>
+              </a:rPr>
+              <a:t>Somit sowohl für Entwickler als auch Projektleiter mächtig, da nachvollziehbar wer wann was bearbeitet hat</a:t>
+            </a:r>
+          </a:p>
+        </p:txBody>
+      </p:sp>
+    </p:spTree>
+    <p:extLst>
+      <p:ext uri="{BB962C8B-B14F-4D97-AF65-F5344CB8AC3E}">
+        <p14:creationId xmlns:p14="http://schemas.microsoft.com/office/powerpoint/2010/main" val="4200821042"/>
+      </p:ext>
+    </p:extLst>
   </p:cSld>
   <p:clrMapOvr>
     <a:masterClrMapping/>
@@ -9662,7 +10068,7 @@
           <p:nvPr userDrawn="1"/>
         </p:nvPicPr>
         <p:blipFill>
-          <a:blip r:embed="rId2">
+          <a:blip r:embed="rId2" cstate="print">
             <a:extLst>
               <a:ext uri="{28A0092B-C50C-407E-A947-70E740481C1C}">
                 <a14:useLocalDpi xmlns:a14="http://schemas.microsoft.com/office/drawing/2010/main" val="0"/>
@@ -12761,7 +13167,7 @@
           <p:nvPr userDrawn="1"/>
         </p:nvPicPr>
         <p:blipFill>
-          <a:blip r:embed="rId13">
+          <a:blip r:embed="rId13" cstate="print">
             <a:extLst>
               <a:ext uri="{28A0092B-C50C-407E-A947-70E740481C1C}">
                 <a14:useLocalDpi xmlns:a14="http://schemas.microsoft.com/office/drawing/2010/main" val="0"/>
@@ -15789,28 +16195,28 @@
                 <a:gridCol w="5650532">
                   <a:extLst>
                     <a:ext uri="{9D8B030D-6E8A-4147-A177-3AD203B41FA5}">
-                      <a16:colId xmlns:a16="http://schemas.microsoft.com/office/drawing/2014/main" val="2518477170"/>
+                      <a16:colId xmlns:a16="http://schemas.microsoft.com/office/drawing/2014/main" xmlns="" val="2518477170"/>
                     </a:ext>
                   </a:extLst>
                 </a:gridCol>
                 <a:gridCol w="1152128">
                   <a:extLst>
                     <a:ext uri="{9D8B030D-6E8A-4147-A177-3AD203B41FA5}">
-                      <a16:colId xmlns:a16="http://schemas.microsoft.com/office/drawing/2014/main" val="779758437"/>
+                      <a16:colId xmlns:a16="http://schemas.microsoft.com/office/drawing/2014/main" xmlns="" val="779758437"/>
                     </a:ext>
                   </a:extLst>
                 </a:gridCol>
                 <a:gridCol w="1152128">
                   <a:extLst>
                     <a:ext uri="{9D8B030D-6E8A-4147-A177-3AD203B41FA5}">
-                      <a16:colId xmlns:a16="http://schemas.microsoft.com/office/drawing/2014/main" val="1401843170"/>
+                      <a16:colId xmlns:a16="http://schemas.microsoft.com/office/drawing/2014/main" xmlns="" val="1401843170"/>
                     </a:ext>
                   </a:extLst>
                 </a:gridCol>
                 <a:gridCol w="1187624">
                   <a:extLst>
                     <a:ext uri="{9D8B030D-6E8A-4147-A177-3AD203B41FA5}">
-                      <a16:colId xmlns:a16="http://schemas.microsoft.com/office/drawing/2014/main" val="670634623"/>
+                      <a16:colId xmlns:a16="http://schemas.microsoft.com/office/drawing/2014/main" xmlns="" val="670634623"/>
                     </a:ext>
                   </a:extLst>
                 </a:gridCol>
@@ -15874,7 +16280,7 @@
                 </a:tc>
                 <a:extLst>
                   <a:ext uri="{0D108BD9-81ED-4DB2-BD59-A6C34878D82A}">
-                    <a16:rowId xmlns:a16="http://schemas.microsoft.com/office/drawing/2014/main" val="2371305242"/>
+                    <a16:rowId xmlns:a16="http://schemas.microsoft.com/office/drawing/2014/main" xmlns="" val="2371305242"/>
                   </a:ext>
                 </a:extLst>
               </a:tr>
@@ -15929,7 +16335,7 @@
                 </a:tc>
                 <a:extLst>
                   <a:ext uri="{0D108BD9-81ED-4DB2-BD59-A6C34878D82A}">
-                    <a16:rowId xmlns:a16="http://schemas.microsoft.com/office/drawing/2014/main" val="2686105350"/>
+                    <a16:rowId xmlns:a16="http://schemas.microsoft.com/office/drawing/2014/main" xmlns="" val="2686105350"/>
                   </a:ext>
                 </a:extLst>
               </a:tr>
@@ -15980,7 +16386,7 @@
                 </a:tc>
                 <a:extLst>
                   <a:ext uri="{0D108BD9-81ED-4DB2-BD59-A6C34878D82A}">
-                    <a16:rowId xmlns:a16="http://schemas.microsoft.com/office/drawing/2014/main" val="4131760991"/>
+                    <a16:rowId xmlns:a16="http://schemas.microsoft.com/office/drawing/2014/main" xmlns="" val="4131760991"/>
                   </a:ext>
                 </a:extLst>
               </a:tr>
@@ -16031,7 +16437,7 @@
                 </a:tc>
                 <a:extLst>
                   <a:ext uri="{0D108BD9-81ED-4DB2-BD59-A6C34878D82A}">
-                    <a16:rowId xmlns:a16="http://schemas.microsoft.com/office/drawing/2014/main" val="1640731091"/>
+                    <a16:rowId xmlns:a16="http://schemas.microsoft.com/office/drawing/2014/main" xmlns="" val="1640731091"/>
                   </a:ext>
                 </a:extLst>
               </a:tr>
@@ -16082,7 +16488,7 @@
                 </a:tc>
                 <a:extLst>
                   <a:ext uri="{0D108BD9-81ED-4DB2-BD59-A6C34878D82A}">
-                    <a16:rowId xmlns:a16="http://schemas.microsoft.com/office/drawing/2014/main" val="1854326208"/>
+                    <a16:rowId xmlns:a16="http://schemas.microsoft.com/office/drawing/2014/main" xmlns="" val="1854326208"/>
                   </a:ext>
                 </a:extLst>
               </a:tr>
@@ -16137,7 +16543,7 @@
                 </a:tc>
                 <a:extLst>
                   <a:ext uri="{0D108BD9-81ED-4DB2-BD59-A6C34878D82A}">
-                    <a16:rowId xmlns:a16="http://schemas.microsoft.com/office/drawing/2014/main" val="3598192941"/>
+                    <a16:rowId xmlns:a16="http://schemas.microsoft.com/office/drawing/2014/main" xmlns="" val="3598192941"/>
                   </a:ext>
                 </a:extLst>
               </a:tr>
@@ -16192,7 +16598,7 @@
                 </a:tc>
                 <a:extLst>
                   <a:ext uri="{0D108BD9-81ED-4DB2-BD59-A6C34878D82A}">
-                    <a16:rowId xmlns:a16="http://schemas.microsoft.com/office/drawing/2014/main" val="1297264465"/>
+                    <a16:rowId xmlns:a16="http://schemas.microsoft.com/office/drawing/2014/main" xmlns="" val="1297264465"/>
                   </a:ext>
                 </a:extLst>
               </a:tr>
@@ -16247,7 +16653,7 @@
                 </a:tc>
                 <a:extLst>
                   <a:ext uri="{0D108BD9-81ED-4DB2-BD59-A6C34878D82A}">
-                    <a16:rowId xmlns:a16="http://schemas.microsoft.com/office/drawing/2014/main" val="1000520693"/>
+                    <a16:rowId xmlns:a16="http://schemas.microsoft.com/office/drawing/2014/main" xmlns="" val="1000520693"/>
                   </a:ext>
                 </a:extLst>
               </a:tr>
@@ -16298,7 +16704,7 @@
                 </a:tc>
                 <a:extLst>
                   <a:ext uri="{0D108BD9-81ED-4DB2-BD59-A6C34878D82A}">
-                    <a16:rowId xmlns:a16="http://schemas.microsoft.com/office/drawing/2014/main" val="4051885982"/>
+                    <a16:rowId xmlns:a16="http://schemas.microsoft.com/office/drawing/2014/main" xmlns="" val="4051885982"/>
                   </a:ext>
                 </a:extLst>
               </a:tr>
@@ -16349,7 +16755,7 @@
                 </a:tc>
                 <a:extLst>
                   <a:ext uri="{0D108BD9-81ED-4DB2-BD59-A6C34878D82A}">
-                    <a16:rowId xmlns:a16="http://schemas.microsoft.com/office/drawing/2014/main" val="3465295697"/>
+                    <a16:rowId xmlns:a16="http://schemas.microsoft.com/office/drawing/2014/main" xmlns="" val="3465295697"/>
                   </a:ext>
                 </a:extLst>
               </a:tr>
@@ -16404,7 +16810,7 @@
                 </a:tc>
                 <a:extLst>
                   <a:ext uri="{0D108BD9-81ED-4DB2-BD59-A6C34878D82A}">
-                    <a16:rowId xmlns:a16="http://schemas.microsoft.com/office/drawing/2014/main" val="3610551088"/>
+                    <a16:rowId xmlns:a16="http://schemas.microsoft.com/office/drawing/2014/main" xmlns="" val="3610551088"/>
                   </a:ext>
                 </a:extLst>
               </a:tr>
@@ -16471,7 +16877,7 @@
           <p:nvPr/>
         </p:nvPicPr>
         <p:blipFill>
-          <a:blip r:embed="rId2" cstate="print">
+          <a:blip r:embed="rId3" cstate="print">
             <a:extLst>
               <a:ext uri="{28A0092B-C50C-407E-A947-70E740481C1C}">
                 <a14:useLocalDpi xmlns:a14="http://schemas.microsoft.com/office/drawing/2010/main" val="0"/>
@@ -16501,7 +16907,7 @@
           <p:nvPr/>
         </p:nvPicPr>
         <p:blipFill>
-          <a:blip r:embed="rId3" cstate="print">
+          <a:blip r:embed="rId4" cstate="print">
             <a:extLst>
               <a:ext uri="{28A0092B-C50C-407E-A947-70E740481C1C}">
                 <a14:useLocalDpi xmlns:a14="http://schemas.microsoft.com/office/drawing/2010/main" val="0"/>
@@ -16531,7 +16937,7 @@
           <p:nvPr/>
         </p:nvPicPr>
         <p:blipFill>
-          <a:blip r:embed="rId2" cstate="print">
+          <a:blip r:embed="rId3" cstate="print">
             <a:extLst>
               <a:ext uri="{28A0092B-C50C-407E-A947-70E740481C1C}">
                 <a14:useLocalDpi xmlns:a14="http://schemas.microsoft.com/office/drawing/2010/main" val="0"/>
@@ -16561,7 +16967,7 @@
           <p:nvPr/>
         </p:nvPicPr>
         <p:blipFill>
-          <a:blip r:embed="rId2" cstate="print">
+          <a:blip r:embed="rId3" cstate="print">
             <a:extLst>
               <a:ext uri="{28A0092B-C50C-407E-A947-70E740481C1C}">
                 <a14:useLocalDpi xmlns:a14="http://schemas.microsoft.com/office/drawing/2010/main" val="0"/>
@@ -16591,7 +16997,7 @@
           <p:nvPr/>
         </p:nvPicPr>
         <p:blipFill>
-          <a:blip r:embed="rId3" cstate="print">
+          <a:blip r:embed="rId4" cstate="print">
             <a:extLst>
               <a:ext uri="{28A0092B-C50C-407E-A947-70E740481C1C}">
                 <a14:useLocalDpi xmlns:a14="http://schemas.microsoft.com/office/drawing/2010/main" val="0"/>
@@ -16621,7 +17027,7 @@
           <p:nvPr/>
         </p:nvPicPr>
         <p:blipFill>
-          <a:blip r:embed="rId2" cstate="print">
+          <a:blip r:embed="rId3" cstate="print">
             <a:extLst>
               <a:ext uri="{28A0092B-C50C-407E-A947-70E740481C1C}">
                 <a14:useLocalDpi xmlns:a14="http://schemas.microsoft.com/office/drawing/2010/main" val="0"/>
@@ -16651,7 +17057,7 @@
           <p:nvPr/>
         </p:nvPicPr>
         <p:blipFill>
-          <a:blip r:embed="rId2" cstate="print">
+          <a:blip r:embed="rId3" cstate="print">
             <a:extLst>
               <a:ext uri="{28A0092B-C50C-407E-A947-70E740481C1C}">
                 <a14:useLocalDpi xmlns:a14="http://schemas.microsoft.com/office/drawing/2010/main" val="0"/>
@@ -16681,7 +17087,7 @@
           <p:nvPr/>
         </p:nvPicPr>
         <p:blipFill>
-          <a:blip r:embed="rId2" cstate="print">
+          <a:blip r:embed="rId3" cstate="print">
             <a:extLst>
               <a:ext uri="{28A0092B-C50C-407E-A947-70E740481C1C}">
                 <a14:useLocalDpi xmlns:a14="http://schemas.microsoft.com/office/drawing/2010/main" val="0"/>
@@ -16711,7 +17117,7 @@
           <p:nvPr/>
         </p:nvPicPr>
         <p:blipFill>
-          <a:blip r:embed="rId2" cstate="print">
+          <a:blip r:embed="rId3" cstate="print">
             <a:extLst>
               <a:ext uri="{28A0092B-C50C-407E-A947-70E740481C1C}">
                 <a14:useLocalDpi xmlns:a14="http://schemas.microsoft.com/office/drawing/2010/main" val="0"/>
@@ -16741,7 +17147,7 @@
           <p:nvPr/>
         </p:nvPicPr>
         <p:blipFill>
-          <a:blip r:embed="rId2" cstate="print">
+          <a:blip r:embed="rId3" cstate="print">
             <a:extLst>
               <a:ext uri="{28A0092B-C50C-407E-A947-70E740481C1C}">
                 <a14:useLocalDpi xmlns:a14="http://schemas.microsoft.com/office/drawing/2010/main" val="0"/>
@@ -16771,7 +17177,7 @@
           <p:nvPr/>
         </p:nvPicPr>
         <p:blipFill>
-          <a:blip r:embed="rId2" cstate="print">
+          <a:blip r:embed="rId3" cstate="print">
             <a:extLst>
               <a:ext uri="{28A0092B-C50C-407E-A947-70E740481C1C}">
                 <a14:useLocalDpi xmlns:a14="http://schemas.microsoft.com/office/drawing/2010/main" val="0"/>
@@ -16801,7 +17207,7 @@
           <p:nvPr/>
         </p:nvPicPr>
         <p:blipFill>
-          <a:blip r:embed="rId2" cstate="print">
+          <a:blip r:embed="rId3" cstate="print">
             <a:extLst>
               <a:ext uri="{28A0092B-C50C-407E-A947-70E740481C1C}">
                 <a14:useLocalDpi xmlns:a14="http://schemas.microsoft.com/office/drawing/2010/main" val="0"/>
@@ -16831,7 +17237,7 @@
           <p:nvPr/>
         </p:nvPicPr>
         <p:blipFill>
-          <a:blip r:embed="rId2" cstate="print">
+          <a:blip r:embed="rId3" cstate="print">
             <a:extLst>
               <a:ext uri="{28A0092B-C50C-407E-A947-70E740481C1C}">
                 <a14:useLocalDpi xmlns:a14="http://schemas.microsoft.com/office/drawing/2010/main" val="0"/>
@@ -16861,7 +17267,7 @@
           <p:nvPr/>
         </p:nvPicPr>
         <p:blipFill>
-          <a:blip r:embed="rId2" cstate="print">
+          <a:blip r:embed="rId3" cstate="print">
             <a:extLst>
               <a:ext uri="{28A0092B-C50C-407E-A947-70E740481C1C}">
                 <a14:useLocalDpi xmlns:a14="http://schemas.microsoft.com/office/drawing/2010/main" val="0"/>
@@ -16891,7 +17297,7 @@
           <p:nvPr/>
         </p:nvPicPr>
         <p:blipFill>
-          <a:blip r:embed="rId3" cstate="print">
+          <a:blip r:embed="rId4" cstate="print">
             <a:extLst>
               <a:ext uri="{28A0092B-C50C-407E-A947-70E740481C1C}">
                 <a14:useLocalDpi xmlns:a14="http://schemas.microsoft.com/office/drawing/2010/main" val="0"/>
@@ -16921,7 +17327,7 @@
           <p:nvPr/>
         </p:nvPicPr>
         <p:blipFill>
-          <a:blip r:embed="rId3" cstate="print">
+          <a:blip r:embed="rId4" cstate="print">
             <a:extLst>
               <a:ext uri="{28A0092B-C50C-407E-A947-70E740481C1C}">
                 <a14:useLocalDpi xmlns:a14="http://schemas.microsoft.com/office/drawing/2010/main" val="0"/>
@@ -16951,7 +17357,7 @@
           <p:nvPr/>
         </p:nvPicPr>
         <p:blipFill>
-          <a:blip r:embed="rId3" cstate="print">
+          <a:blip r:embed="rId4" cstate="print">
             <a:extLst>
               <a:ext uri="{28A0092B-C50C-407E-A947-70E740481C1C}">
                 <a14:useLocalDpi xmlns:a14="http://schemas.microsoft.com/office/drawing/2010/main" val="0"/>
@@ -16981,7 +17387,7 @@
           <p:nvPr/>
         </p:nvPicPr>
         <p:blipFill>
-          <a:blip r:embed="rId3" cstate="print">
+          <a:blip r:embed="rId4" cstate="print">
             <a:extLst>
               <a:ext uri="{28A0092B-C50C-407E-A947-70E740481C1C}">
                 <a14:useLocalDpi xmlns:a14="http://schemas.microsoft.com/office/drawing/2010/main" val="0"/>
@@ -17011,7 +17417,7 @@
           <p:nvPr/>
         </p:nvPicPr>
         <p:blipFill>
-          <a:blip r:embed="rId3" cstate="print">
+          <a:blip r:embed="rId4" cstate="print">
             <a:extLst>
               <a:ext uri="{28A0092B-C50C-407E-A947-70E740481C1C}">
                 <a14:useLocalDpi xmlns:a14="http://schemas.microsoft.com/office/drawing/2010/main" val="0"/>
@@ -17041,7 +17447,7 @@
           <p:nvPr/>
         </p:nvPicPr>
         <p:blipFill>
-          <a:blip r:embed="rId3" cstate="print">
+          <a:blip r:embed="rId4" cstate="print">
             <a:extLst>
               <a:ext uri="{28A0092B-C50C-407E-A947-70E740481C1C}">
                 <a14:useLocalDpi xmlns:a14="http://schemas.microsoft.com/office/drawing/2010/main" val="0"/>
@@ -17071,7 +17477,7 @@
           <p:nvPr/>
         </p:nvPicPr>
         <p:blipFill>
-          <a:blip r:embed="rId2" cstate="print">
+          <a:blip r:embed="rId3" cstate="print">
             <a:extLst>
               <a:ext uri="{28A0092B-C50C-407E-A947-70E740481C1C}">
                 <a14:useLocalDpi xmlns:a14="http://schemas.microsoft.com/office/drawing/2010/main" val="0"/>
@@ -17101,7 +17507,7 @@
           <p:nvPr/>
         </p:nvPicPr>
         <p:blipFill>
-          <a:blip r:embed="rId3" cstate="print">
+          <a:blip r:embed="rId4" cstate="print">
             <a:extLst>
               <a:ext uri="{28A0092B-C50C-407E-A947-70E740481C1C}">
                 <a14:useLocalDpi xmlns:a14="http://schemas.microsoft.com/office/drawing/2010/main" val="0"/>
@@ -17131,7 +17537,7 @@
           <p:nvPr/>
         </p:nvPicPr>
         <p:blipFill>
-          <a:blip r:embed="rId3" cstate="print">
+          <a:blip r:embed="rId4" cstate="print">
             <a:extLst>
               <a:ext uri="{28A0092B-C50C-407E-A947-70E740481C1C}">
                 <a14:useLocalDpi xmlns:a14="http://schemas.microsoft.com/office/drawing/2010/main" val="0"/>
@@ -17161,7 +17567,7 @@
           <p:nvPr/>
         </p:nvPicPr>
         <p:blipFill>
-          <a:blip r:embed="rId3" cstate="print">
+          <a:blip r:embed="rId4" cstate="print">
             <a:extLst>
               <a:ext uri="{28A0092B-C50C-407E-A947-70E740481C1C}">
                 <a14:useLocalDpi xmlns:a14="http://schemas.microsoft.com/office/drawing/2010/main" val="0"/>
@@ -17191,7 +17597,7 @@
           <p:nvPr/>
         </p:nvPicPr>
         <p:blipFill>
-          <a:blip r:embed="rId3" cstate="print">
+          <a:blip r:embed="rId4" cstate="print">
             <a:extLst>
               <a:ext uri="{28A0092B-C50C-407E-A947-70E740481C1C}">
                 <a14:useLocalDpi xmlns:a14="http://schemas.microsoft.com/office/drawing/2010/main" val="0"/>
@@ -17221,7 +17627,7 @@
           <p:nvPr/>
         </p:nvPicPr>
         <p:blipFill>
-          <a:blip r:embed="rId3" cstate="print">
+          <a:blip r:embed="rId4" cstate="print">
             <a:extLst>
               <a:ext uri="{28A0092B-C50C-407E-A947-70E740481C1C}">
                 <a14:useLocalDpi xmlns:a14="http://schemas.microsoft.com/office/drawing/2010/main" val="0"/>
@@ -17251,7 +17657,7 @@
           <p:nvPr/>
         </p:nvPicPr>
         <p:blipFill>
-          <a:blip r:embed="rId3" cstate="print">
+          <a:blip r:embed="rId4" cstate="print">
             <a:extLst>
               <a:ext uri="{28A0092B-C50C-407E-A947-70E740481C1C}">
                 <a14:useLocalDpi xmlns:a14="http://schemas.microsoft.com/office/drawing/2010/main" val="0"/>
@@ -17281,7 +17687,7 @@
           <p:nvPr/>
         </p:nvPicPr>
         <p:blipFill>
-          <a:blip r:embed="rId3" cstate="print">
+          <a:blip r:embed="rId4" cstate="print">
             <a:extLst>
               <a:ext uri="{28A0092B-C50C-407E-A947-70E740481C1C}">
                 <a14:useLocalDpi xmlns:a14="http://schemas.microsoft.com/office/drawing/2010/main" val="0"/>
@@ -17311,7 +17717,7 @@
           <p:nvPr/>
         </p:nvPicPr>
         <p:blipFill>
-          <a:blip r:embed="rId3" cstate="print">
+          <a:blip r:embed="rId4" cstate="print">
             <a:extLst>
               <a:ext uri="{28A0092B-C50C-407E-A947-70E740481C1C}">
                 <a14:useLocalDpi xmlns:a14="http://schemas.microsoft.com/office/drawing/2010/main" val="0"/>
@@ -17341,7 +17747,7 @@
           <p:nvPr/>
         </p:nvPicPr>
         <p:blipFill>
-          <a:blip r:embed="rId3" cstate="print">
+          <a:blip r:embed="rId4" cstate="print">
             <a:extLst>
               <a:ext uri="{28A0092B-C50C-407E-A947-70E740481C1C}">
                 <a14:useLocalDpi xmlns:a14="http://schemas.microsoft.com/office/drawing/2010/main" val="0"/>

--- a/SVN.pptx
+++ b/SVN.pptx
@@ -20,7 +20,7 @@
     <p:sldId id="1248" r:id="rId8"/>
   </p:sldIdLst>
   <p:sldSz cx="9906000" cy="6858000" type="A4"/>
-  <p:notesSz cx="6662738" cy="9866313"/>
+  <p:notesSz cx="6888163" cy="10018713"/>
   <p:kinsoku lang="ja-JP" invalStChars="、。，．・：；？！゛゜ヽヾゝゞ々ー’”）〕］｝〉》」』】°‰′″℃￠％ぁぃぅぇぉっゃゅょゎァィゥェォッャュョヮヵヶ!%),.:;?]}｡｣､･ｧｨｩｪｫｬｭｮｯｰﾞﾟ" invalEndChars="‘“（〔［｛〈《「『【￥＄$([\{｢￡"/>
   <p:defaultTextStyle>
     <a:defPPr>
@@ -164,7 +164,7 @@
   </p:defaultTextStyle>
   <p:extLst>
     <p:ext uri="{EFAFB233-063F-42B5-8137-9DF3F51BA10A}">
-      <p15:sldGuideLst xmlns:p15="http://schemas.microsoft.com/office/powerpoint/2012/main" xmlns="">
+      <p15:sldGuideLst xmlns:p15="http://schemas.microsoft.com/office/powerpoint/2012/main">
         <p15:guide id="1" orient="horz" pos="3984">
           <p15:clr>
             <a:srgbClr val="A4A3A4"/>
@@ -178,13 +178,13 @@
       </p15:sldGuideLst>
     </p:ext>
     <p:ext uri="{2D200454-40CA-4A62-9FC3-DE9A4176ACB9}">
-      <p15:notesGuideLst xmlns:p15="http://schemas.microsoft.com/office/powerpoint/2012/main" xmlns="">
-        <p15:guide id="1" orient="horz" pos="3107">
+      <p15:notesGuideLst xmlns:p15="http://schemas.microsoft.com/office/powerpoint/2012/main">
+        <p15:guide id="1" orient="horz" pos="3155" userDrawn="1">
           <p15:clr>
             <a:srgbClr val="A4A3A4"/>
           </p15:clr>
         </p15:guide>
-        <p15:guide id="2" pos="2098">
+        <p15:guide id="2" pos="2169" userDrawn="1">
           <p15:clr>
             <a:srgbClr val="A4A3A4"/>
           </p15:clr>
@@ -5389,8 +5389,8 @@
         </p:nvSpPr>
         <p:spPr bwMode="auto">
           <a:xfrm>
-            <a:off x="2998788" y="9367838"/>
-            <a:ext cx="669925" cy="269875"/>
+            <a:off x="3006732" y="9512539"/>
+            <a:ext cx="879625" cy="258340"/>
           </a:xfrm>
           <a:prstGeom prst="rect">
             <a:avLst/>
@@ -5405,7 +5405,7 @@
           <a:effectLst/>
         </p:spPr>
         <p:txBody>
-          <a:bodyPr wrap="none" lIns="90811" tIns="44608" rIns="90811" bIns="44608">
+          <a:bodyPr wrap="none" lIns="92881" tIns="45625" rIns="92881" bIns="45625">
             <a:spAutoFit/>
           </a:bodyPr>
           <a:lstStyle>
@@ -5604,8 +5604,8 @@
         </p:nvSpPr>
         <p:spPr bwMode="auto">
           <a:xfrm>
-            <a:off x="835025" y="860425"/>
-            <a:ext cx="4994275" cy="3457575"/>
+            <a:off x="908050" y="873125"/>
+            <a:ext cx="5073650" cy="3511550"/>
           </a:xfrm>
           <a:prstGeom prst="rect">
             <a:avLst/>
@@ -5640,8 +5640,8 @@
         </p:nvSpPr>
         <p:spPr bwMode="auto">
           <a:xfrm>
-            <a:off x="2998788" y="9450388"/>
-            <a:ext cx="669925" cy="269875"/>
+            <a:off x="3006732" y="9596364"/>
+            <a:ext cx="879625" cy="258340"/>
           </a:xfrm>
           <a:prstGeom prst="rect">
             <a:avLst/>
@@ -5656,7 +5656,7 @@
           <a:effectLst/>
         </p:spPr>
         <p:txBody>
-          <a:bodyPr wrap="none" lIns="90811" tIns="44608" rIns="90811" bIns="44608">
+          <a:bodyPr wrap="none" lIns="92881" tIns="45625" rIns="92881" bIns="45625">
             <a:spAutoFit/>
           </a:bodyPr>
           <a:lstStyle>
@@ -5817,10 +5817,10 @@
         </p:nvGrpSpPr>
         <p:grpSpPr bwMode="auto">
           <a:xfrm>
-            <a:off x="581025" y="4941888"/>
-            <a:ext cx="5657850" cy="4157662"/>
+            <a:off x="600683" y="5018223"/>
+            <a:ext cx="5929010" cy="4213745"/>
             <a:chOff x="377" y="3084"/>
-            <a:chExt cx="3668" cy="2594"/>
+            <a:chExt cx="3718" cy="2589"/>
           </a:xfrm>
         </p:grpSpPr>
         <p:sp>
@@ -5834,7 +5834,7 @@
           <p:spPr bwMode="auto">
             <a:xfrm>
               <a:off x="377" y="3084"/>
-              <a:ext cx="586" cy="171"/>
+              <a:ext cx="636" cy="158"/>
             </a:xfrm>
             <a:prstGeom prst="rect">
               <a:avLst/>
@@ -5854,7 +5854,7 @@
             </a:bodyPr>
             <a:lstStyle/>
             <a:p>
-              <a:pPr defTabSz="765175">
+              <a:pPr defTabSz="782621">
                 <a:lnSpc>
                   <a:spcPct val="90000"/>
                 </a:lnSpc>
@@ -5883,7 +5883,7 @@
           <p:spPr bwMode="auto">
             <a:xfrm>
               <a:off x="1091" y="3234"/>
-              <a:ext cx="413" cy="170"/>
+              <a:ext cx="458" cy="158"/>
             </a:xfrm>
             <a:prstGeom prst="rect">
               <a:avLst/>
@@ -5903,7 +5903,7 @@
             </a:bodyPr>
             <a:lstStyle/>
             <a:p>
-              <a:pPr defTabSz="765175">
+              <a:pPr defTabSz="782621">
                 <a:lnSpc>
                   <a:spcPct val="90000"/>
                 </a:lnSpc>
@@ -5932,7 +5932,7 @@
           <p:spPr bwMode="auto">
             <a:xfrm>
               <a:off x="2918" y="3171"/>
-              <a:ext cx="466" cy="281"/>
+              <a:ext cx="524" cy="260"/>
             </a:xfrm>
             <a:prstGeom prst="rect">
               <a:avLst/>
@@ -5952,7 +5952,7 @@
             </a:bodyPr>
             <a:lstStyle/>
             <a:p>
-              <a:pPr defTabSz="765175">
+              <a:pPr defTabSz="782621">
                 <a:lnSpc>
                   <a:spcPct val="90000"/>
                 </a:lnSpc>
@@ -5998,7 +5998,7 @@
           <p:spPr bwMode="auto">
             <a:xfrm>
               <a:off x="3539" y="3234"/>
-              <a:ext cx="429" cy="170"/>
+              <a:ext cx="464" cy="158"/>
             </a:xfrm>
             <a:prstGeom prst="rect">
               <a:avLst/>
@@ -6018,7 +6018,7 @@
             </a:bodyPr>
             <a:lstStyle/>
             <a:p>
-              <a:pPr defTabSz="765175">
+              <a:pPr defTabSz="782621">
                 <a:lnSpc>
                   <a:spcPct val="90000"/>
                 </a:lnSpc>
@@ -6047,7 +6047,7 @@
           <p:spPr bwMode="auto">
             <a:xfrm>
               <a:off x="3503" y="5038"/>
-              <a:ext cx="542" cy="281"/>
+              <a:ext cx="592" cy="260"/>
             </a:xfrm>
             <a:prstGeom prst="rect">
               <a:avLst/>
@@ -6067,7 +6067,7 @@
             </a:bodyPr>
             <a:lstStyle/>
             <a:p>
-              <a:pPr defTabSz="765175">
+              <a:pPr defTabSz="782621">
                 <a:lnSpc>
                   <a:spcPct val="90000"/>
                 </a:lnSpc>
@@ -6113,7 +6113,7 @@
           <p:spPr bwMode="auto">
             <a:xfrm>
               <a:off x="415" y="3474"/>
-              <a:ext cx="254" cy="254"/>
+              <a:ext cx="117" cy="249"/>
             </a:xfrm>
             <a:custGeom>
               <a:avLst/>
@@ -6194,7 +6194,7 @@
           <p:spPr bwMode="auto">
             <a:xfrm>
               <a:off x="786" y="3474"/>
-              <a:ext cx="255" cy="254"/>
+              <a:ext cx="117" cy="249"/>
             </a:xfrm>
             <a:custGeom>
               <a:avLst/>
@@ -6275,7 +6275,7 @@
           <p:spPr bwMode="auto">
             <a:xfrm>
               <a:off x="1157" y="3474"/>
-              <a:ext cx="254" cy="254"/>
+              <a:ext cx="117" cy="249"/>
             </a:xfrm>
             <a:custGeom>
               <a:avLst/>
@@ -6356,7 +6356,7 @@
           <p:spPr bwMode="auto">
             <a:xfrm>
               <a:off x="1529" y="3474"/>
-              <a:ext cx="254" cy="254"/>
+              <a:ext cx="117" cy="249"/>
             </a:xfrm>
             <a:custGeom>
               <a:avLst/>
@@ -6437,7 +6437,7 @@
           <p:spPr bwMode="auto">
             <a:xfrm>
               <a:off x="1900" y="3474"/>
-              <a:ext cx="258" cy="254"/>
+              <a:ext cx="117" cy="249"/>
             </a:xfrm>
             <a:custGeom>
               <a:avLst/>
@@ -6518,7 +6518,7 @@
           <p:spPr bwMode="auto">
             <a:xfrm>
               <a:off x="415" y="3845"/>
-              <a:ext cx="254" cy="259"/>
+              <a:ext cx="117" cy="249"/>
             </a:xfrm>
             <a:custGeom>
               <a:avLst/>
@@ -6599,7 +6599,7 @@
           <p:spPr bwMode="auto">
             <a:xfrm>
               <a:off x="786" y="3845"/>
-              <a:ext cx="255" cy="259"/>
+              <a:ext cx="117" cy="249"/>
             </a:xfrm>
             <a:custGeom>
               <a:avLst/>
@@ -6680,7 +6680,7 @@
           <p:spPr bwMode="auto">
             <a:xfrm>
               <a:off x="1157" y="3845"/>
-              <a:ext cx="254" cy="259"/>
+              <a:ext cx="117" cy="249"/>
             </a:xfrm>
             <a:custGeom>
               <a:avLst/>
@@ -6761,7 +6761,7 @@
           <p:spPr bwMode="auto">
             <a:xfrm>
               <a:off x="1529" y="3845"/>
-              <a:ext cx="254" cy="259"/>
+              <a:ext cx="117" cy="249"/>
             </a:xfrm>
             <a:custGeom>
               <a:avLst/>
@@ -6842,7 +6842,7 @@
           <p:spPr bwMode="auto">
             <a:xfrm>
               <a:off x="1900" y="3845"/>
-              <a:ext cx="258" cy="259"/>
+              <a:ext cx="117" cy="249"/>
             </a:xfrm>
             <a:custGeom>
               <a:avLst/>
@@ -6923,7 +6923,7 @@
           <p:spPr bwMode="auto">
             <a:xfrm>
               <a:off x="415" y="4217"/>
-              <a:ext cx="254" cy="252"/>
+              <a:ext cx="117" cy="249"/>
             </a:xfrm>
             <a:custGeom>
               <a:avLst/>
@@ -7004,7 +7004,7 @@
           <p:spPr bwMode="auto">
             <a:xfrm>
               <a:off x="786" y="4217"/>
-              <a:ext cx="255" cy="252"/>
+              <a:ext cx="117" cy="249"/>
             </a:xfrm>
             <a:custGeom>
               <a:avLst/>
@@ -7085,7 +7085,7 @@
           <p:spPr bwMode="auto">
             <a:xfrm>
               <a:off x="1157" y="4217"/>
-              <a:ext cx="254" cy="252"/>
+              <a:ext cx="117" cy="249"/>
             </a:xfrm>
             <a:custGeom>
               <a:avLst/>
@@ -7166,7 +7166,7 @@
           <p:spPr bwMode="auto">
             <a:xfrm>
               <a:off x="1529" y="4217"/>
-              <a:ext cx="254" cy="252"/>
+              <a:ext cx="117" cy="249"/>
             </a:xfrm>
             <a:custGeom>
               <a:avLst/>
@@ -7247,7 +7247,7 @@
           <p:spPr bwMode="auto">
             <a:xfrm>
               <a:off x="1900" y="4217"/>
-              <a:ext cx="258" cy="252"/>
+              <a:ext cx="117" cy="249"/>
             </a:xfrm>
             <a:custGeom>
               <a:avLst/>
@@ -7328,7 +7328,7 @@
           <p:spPr bwMode="auto">
             <a:xfrm>
               <a:off x="415" y="4587"/>
-              <a:ext cx="254" cy="262"/>
+              <a:ext cx="117" cy="249"/>
             </a:xfrm>
             <a:custGeom>
               <a:avLst/>
@@ -7409,7 +7409,7 @@
           <p:spPr bwMode="auto">
             <a:xfrm>
               <a:off x="786" y="4587"/>
-              <a:ext cx="255" cy="262"/>
+              <a:ext cx="117" cy="249"/>
             </a:xfrm>
             <a:custGeom>
               <a:avLst/>
@@ -7490,7 +7490,7 @@
           <p:spPr bwMode="auto">
             <a:xfrm>
               <a:off x="1157" y="4587"/>
-              <a:ext cx="254" cy="262"/>
+              <a:ext cx="117" cy="249"/>
             </a:xfrm>
             <a:custGeom>
               <a:avLst/>
@@ -7571,7 +7571,7 @@
           <p:spPr bwMode="auto">
             <a:xfrm>
               <a:off x="1529" y="4587"/>
-              <a:ext cx="254" cy="262"/>
+              <a:ext cx="117" cy="249"/>
             </a:xfrm>
             <a:custGeom>
               <a:avLst/>
@@ -7652,7 +7652,7 @@
           <p:spPr bwMode="auto">
             <a:xfrm>
               <a:off x="1900" y="4587"/>
-              <a:ext cx="258" cy="262"/>
+              <a:ext cx="117" cy="249"/>
             </a:xfrm>
             <a:custGeom>
               <a:avLst/>
@@ -7733,7 +7733,7 @@
           <p:spPr bwMode="auto">
             <a:xfrm>
               <a:off x="415" y="4966"/>
-              <a:ext cx="254" cy="259"/>
+              <a:ext cx="117" cy="249"/>
             </a:xfrm>
             <a:custGeom>
               <a:avLst/>
@@ -7814,7 +7814,7 @@
           <p:spPr bwMode="auto">
             <a:xfrm>
               <a:off x="786" y="4966"/>
-              <a:ext cx="255" cy="259"/>
+              <a:ext cx="117" cy="249"/>
             </a:xfrm>
             <a:custGeom>
               <a:avLst/>
@@ -7895,7 +7895,7 @@
           <p:spPr bwMode="auto">
             <a:xfrm>
               <a:off x="1157" y="4966"/>
-              <a:ext cx="254" cy="259"/>
+              <a:ext cx="117" cy="249"/>
             </a:xfrm>
             <a:custGeom>
               <a:avLst/>
@@ -7976,7 +7976,7 @@
           <p:spPr bwMode="auto">
             <a:xfrm>
               <a:off x="1529" y="4966"/>
-              <a:ext cx="254" cy="259"/>
+              <a:ext cx="117" cy="249"/>
             </a:xfrm>
             <a:custGeom>
               <a:avLst/>
@@ -8057,7 +8057,7 @@
           <p:spPr bwMode="auto">
             <a:xfrm>
               <a:off x="1900" y="4966"/>
-              <a:ext cx="258" cy="259"/>
+              <a:ext cx="117" cy="249"/>
             </a:xfrm>
             <a:custGeom>
               <a:avLst/>
@@ -8138,7 +8138,7 @@
           <p:spPr bwMode="auto">
             <a:xfrm>
               <a:off x="415" y="5424"/>
-              <a:ext cx="261" cy="254"/>
+              <a:ext cx="117" cy="249"/>
             </a:xfrm>
             <a:custGeom>
               <a:avLst/>
@@ -8219,7 +8219,7 @@
           <p:spPr bwMode="auto">
             <a:xfrm>
               <a:off x="796" y="5424"/>
-              <a:ext cx="253" cy="254"/>
+              <a:ext cx="117" cy="249"/>
             </a:xfrm>
             <a:custGeom>
               <a:avLst/>
@@ -8300,7 +8300,7 @@
           <p:spPr bwMode="auto">
             <a:xfrm>
               <a:off x="2988" y="3474"/>
-              <a:ext cx="255" cy="254"/>
+              <a:ext cx="117" cy="249"/>
             </a:xfrm>
             <a:custGeom>
               <a:avLst/>
@@ -8381,7 +8381,7 @@
           <p:spPr bwMode="auto">
             <a:xfrm>
               <a:off x="2988" y="3845"/>
-              <a:ext cx="255" cy="259"/>
+              <a:ext cx="117" cy="249"/>
             </a:xfrm>
             <a:custGeom>
               <a:avLst/>
@@ -8462,7 +8462,7 @@
           <p:spPr bwMode="auto">
             <a:xfrm>
               <a:off x="2988" y="4217"/>
-              <a:ext cx="255" cy="252"/>
+              <a:ext cx="117" cy="249"/>
             </a:xfrm>
             <a:custGeom>
               <a:avLst/>
@@ -8543,7 +8543,7 @@
           <p:spPr bwMode="auto">
             <a:xfrm>
               <a:off x="2988" y="4587"/>
-              <a:ext cx="255" cy="262"/>
+              <a:ext cx="117" cy="249"/>
             </a:xfrm>
             <a:custGeom>
               <a:avLst/>
@@ -8624,7 +8624,7 @@
           <p:spPr bwMode="auto">
             <a:xfrm>
               <a:off x="2988" y="4966"/>
-              <a:ext cx="255" cy="259"/>
+              <a:ext cx="117" cy="249"/>
             </a:xfrm>
             <a:custGeom>
               <a:avLst/>
@@ -8705,7 +8705,7 @@
           <p:spPr bwMode="auto">
             <a:xfrm>
               <a:off x="2988" y="5424"/>
-              <a:ext cx="255" cy="254"/>
+              <a:ext cx="117" cy="249"/>
             </a:xfrm>
             <a:custGeom>
               <a:avLst/>
@@ -8786,7 +8786,7 @@
           <p:spPr bwMode="auto">
             <a:xfrm>
               <a:off x="3645" y="3474"/>
-              <a:ext cx="254" cy="254"/>
+              <a:ext cx="117" cy="249"/>
             </a:xfrm>
             <a:custGeom>
               <a:avLst/>
@@ -8867,7 +8867,7 @@
           <p:spPr bwMode="auto">
             <a:xfrm>
               <a:off x="3645" y="3845"/>
-              <a:ext cx="254" cy="259"/>
+              <a:ext cx="117" cy="249"/>
             </a:xfrm>
             <a:custGeom>
               <a:avLst/>
@@ -8948,7 +8948,7 @@
           <p:spPr bwMode="auto">
             <a:xfrm>
               <a:off x="3645" y="4217"/>
-              <a:ext cx="254" cy="252"/>
+              <a:ext cx="117" cy="249"/>
             </a:xfrm>
             <a:custGeom>
               <a:avLst/>
@@ -9029,7 +9029,7 @@
           <p:spPr bwMode="auto">
             <a:xfrm>
               <a:off x="3645" y="5424"/>
-              <a:ext cx="254" cy="254"/>
+              <a:ext cx="117" cy="249"/>
             </a:xfrm>
             <a:custGeom>
               <a:avLst/>
@@ -9277,7 +9277,7 @@
         </p:nvSpPr>
         <p:spPr>
           <a:xfrm>
-            <a:off x="3389313" y="2622550"/>
+            <a:off x="3503613" y="2663825"/>
             <a:ext cx="0" cy="0"/>
           </a:xfrm>
           <a:ln/>
@@ -9295,8 +9295,8 @@
         </p:nvSpPr>
         <p:spPr bwMode="auto">
           <a:xfrm>
-            <a:off x="893763" y="4922838"/>
-            <a:ext cx="2509837" cy="1008062"/>
+            <a:off x="924003" y="4998879"/>
+            <a:ext cx="2594754" cy="1023633"/>
           </a:xfrm>
           <a:prstGeom prst="rect">
             <a:avLst/>
@@ -9314,10 +9314,10 @@
           </a:ln>
         </p:spPr>
         <p:txBody>
-          <a:bodyPr lIns="92885" tIns="46442" rIns="92885" bIns="46442"/>
+          <a:bodyPr lIns="95003" tIns="47501" rIns="95003" bIns="47501"/>
           <a:lstStyle/>
           <a:p>
-            <a:pPr defTabSz="914400">
+            <a:pPr defTabSz="935248">
               <a:lnSpc>
                 <a:spcPct val="100000"/>
               </a:lnSpc>
@@ -9325,7 +9325,7 @@
                 <a:spcPct val="0"/>
               </a:spcBef>
             </a:pPr>
-            <a:endParaRPr lang="en-US" altLang="de-DE" sz="2400" smtClean="0">
+            <a:endParaRPr lang="en-US" altLang="de-DE" sz="2500">
               <a:latin typeface="Times New Roman" panose="02020603050405020304" pitchFamily="18" charset="0"/>
             </a:endParaRPr>
           </a:p>
@@ -9380,341 +9380,313 @@
         </p:nvSpPr>
         <p:spPr>
           <a:xfrm>
-            <a:off x="666750" y="4686300"/>
-            <a:ext cx="5329238" cy="4440238"/>
+            <a:off x="689309" y="4758687"/>
+            <a:ext cx="5509546" cy="4508824"/>
           </a:xfrm>
           <a:prstGeom prst="rect">
             <a:avLst/>
           </a:prstGeom>
         </p:spPr>
         <p:txBody>
-          <a:bodyPr/>
+          <a:bodyPr lIns="93525" tIns="46762" rIns="93525" bIns="46762"/>
           <a:lstStyle/>
           <a:p>
             <a:r>
-              <a:rPr lang="de-DE" sz="2000" dirty="0" smtClean="0"/>
+              <a:rPr lang="de-DE" sz="2000" dirty="0"/>
               <a:t>Arbeit mit mehreren Personen gleichzeitig:</a:t>
             </a:r>
           </a:p>
           <a:p>
-            <a:pPr marL="342900" indent="-342900">
+            <a:pPr marL="350718" indent="-350718">
               <a:buFont typeface="Arial" panose="020B0604020202020204" pitchFamily="34" charset="0"/>
               <a:buChar char="•"/>
             </a:pPr>
             <a:r>
-              <a:rPr lang="de-DE" sz="2000" dirty="0" smtClean="0"/>
-              <a:t>FTP</a:t>
-            </a:r>
-            <a:r>
-              <a:rPr lang="de-DE" sz="2000" baseline="0" dirty="0" smtClean="0"/>
-              <a:t> und Dropbox klar nein</a:t>
+              <a:rPr lang="de-DE" sz="2000" dirty="0"/>
+              <a:t>FTP und Dropbox klar nein</a:t>
             </a:r>
           </a:p>
           <a:p>
-            <a:pPr marL="342900" indent="-342900">
+            <a:pPr marL="350718" indent="-350718">
               <a:buFont typeface="Arial" panose="020B0604020202020204" pitchFamily="34" charset="0"/>
               <a:buChar char="•"/>
             </a:pPr>
             <a:r>
-              <a:rPr lang="de-DE" sz="2000" baseline="0" dirty="0" smtClean="0"/>
+              <a:rPr lang="de-DE" sz="2000" dirty="0"/>
               <a:t>Auch SVN Nein, besitzt aber Konfliktmanagement </a:t>
             </a:r>
             <a:r>
-              <a:rPr lang="de-DE" sz="2000" baseline="0" dirty="0" smtClean="0">
+              <a:rPr lang="de-DE" sz="2000" dirty="0">
                 <a:sym typeface="Wingdings" panose="05000000000000000000" pitchFamily="2" charset="2"/>
               </a:rPr>
               <a:t> Live Demo</a:t>
             </a:r>
           </a:p>
           <a:p>
-            <a:pPr marL="342900" indent="-342900">
+            <a:pPr marL="350718" indent="-350718">
               <a:buFont typeface="Arial" panose="020B0604020202020204" pitchFamily="34" charset="0"/>
               <a:buChar char="•"/>
             </a:pPr>
             <a:r>
-              <a:rPr lang="de-DE" sz="2000" baseline="0" dirty="0" smtClean="0">
+              <a:rPr lang="de-DE" sz="2000" dirty="0">
                 <a:sym typeface="Wingdings" panose="05000000000000000000" pitchFamily="2" charset="2"/>
               </a:rPr>
               <a:t>Gleichzeitiges Bearbeiten nur mit Online-Server</a:t>
             </a:r>
           </a:p>
           <a:p>
-            <a:pPr marL="0" indent="0">
-              <a:buFont typeface="Arial" panose="020B0604020202020204" pitchFamily="34" charset="0"/>
-              <a:buNone/>
-            </a:pPr>
             <a:r>
-              <a:rPr lang="de-DE" sz="2000" baseline="0" dirty="0" smtClean="0">
+              <a:rPr lang="de-DE" sz="2000" dirty="0">
                 <a:sym typeface="Wingdings" panose="05000000000000000000" pitchFamily="2" charset="2"/>
               </a:rPr>
               <a:t>Eigener Aufwand:</a:t>
             </a:r>
           </a:p>
           <a:p>
-            <a:pPr marL="342900" indent="-342900">
+            <a:pPr marL="350718" indent="-350718">
               <a:buFont typeface="Arial" panose="020B0604020202020204" pitchFamily="34" charset="0"/>
               <a:buChar char="•"/>
             </a:pPr>
             <a:r>
-              <a:rPr lang="de-DE" sz="2000" baseline="0" dirty="0" smtClean="0">
+              <a:rPr lang="de-DE" sz="2000" dirty="0">
                 <a:sym typeface="Wingdings" panose="05000000000000000000" pitchFamily="2" charset="2"/>
               </a:rPr>
               <a:t>Dropbox Sache von einer 1 Minute</a:t>
             </a:r>
           </a:p>
           <a:p>
-            <a:pPr marL="342900" indent="-342900">
+            <a:pPr marL="350718" indent="-350718">
               <a:buFont typeface="Arial" panose="020B0604020202020204" pitchFamily="34" charset="0"/>
               <a:buChar char="•"/>
             </a:pPr>
             <a:r>
-              <a:rPr lang="de-DE" sz="2000" baseline="0" dirty="0" smtClean="0">
+              <a:rPr lang="de-DE" sz="2000" dirty="0">
                 <a:sym typeface="Wingdings" panose="05000000000000000000" pitchFamily="2" charset="2"/>
               </a:rPr>
               <a:t>FTP Server muss aufgesetzt werden und Benutzer angelegt werden</a:t>
             </a:r>
           </a:p>
           <a:p>
-            <a:pPr marL="342900" indent="-342900">
+            <a:pPr marL="350718" indent="-350718">
               <a:buFont typeface="Arial" panose="020B0604020202020204" pitchFamily="34" charset="0"/>
               <a:buChar char="•"/>
             </a:pPr>
             <a:r>
-              <a:rPr lang="de-DE" sz="2000" baseline="0" dirty="0" smtClean="0">
+              <a:rPr lang="de-DE" sz="2000" dirty="0">
                 <a:sym typeface="Wingdings" panose="05000000000000000000" pitchFamily="2" charset="2"/>
               </a:rPr>
               <a:t>SVN muss Repository aufgesetzt werden, Benutzer angelegt und lokale Client-Software installieren</a:t>
             </a:r>
           </a:p>
           <a:p>
-            <a:pPr marL="0" indent="0">
-              <a:buFont typeface="Arial" panose="020B0604020202020204" pitchFamily="34" charset="0"/>
-              <a:buNone/>
-            </a:pPr>
             <a:r>
-              <a:rPr lang="de-DE" sz="2000" baseline="0" dirty="0" smtClean="0">
+              <a:rPr lang="de-DE" sz="2000" dirty="0">
                 <a:sym typeface="Wingdings" panose="05000000000000000000" pitchFamily="2" charset="2"/>
               </a:rPr>
               <a:t>Konsistenter Dateizustand</a:t>
             </a:r>
           </a:p>
           <a:p>
-            <a:pPr marL="342900" indent="-342900">
+            <a:pPr marL="350718" indent="-350718">
               <a:buFont typeface="Arial" panose="020B0604020202020204" pitchFamily="34" charset="0"/>
               <a:buChar char="•"/>
             </a:pPr>
             <a:r>
-              <a:rPr lang="de-DE" sz="2000" baseline="0" dirty="0" smtClean="0">
+              <a:rPr lang="de-DE" sz="2000" dirty="0">
                 <a:sym typeface="Wingdings" panose="05000000000000000000" pitchFamily="2" charset="2"/>
               </a:rPr>
               <a:t>Bei Dropbox schlagen Änderungen immer sofort durch, bei fehlerhafter Speicherung ist keine funktionierende Version mehr vorhanden</a:t>
             </a:r>
           </a:p>
           <a:p>
-            <a:pPr marL="342900" indent="-342900">
+            <a:pPr marL="350718" indent="-350718">
               <a:buFont typeface="Arial" panose="020B0604020202020204" pitchFamily="34" charset="0"/>
               <a:buChar char="•"/>
             </a:pPr>
             <a:r>
-              <a:rPr lang="de-DE" sz="2000" baseline="0" dirty="0" smtClean="0">
+              <a:rPr lang="de-DE" sz="2000" dirty="0">
                 <a:sym typeface="Wingdings" panose="05000000000000000000" pitchFamily="2" charset="2"/>
               </a:rPr>
               <a:t>Bei FTP lokale Kopie, Chance funktionierende Datei vom Server zu nehmen</a:t>
             </a:r>
           </a:p>
           <a:p>
-            <a:pPr marL="342900" indent="-342900">
+            <a:pPr marL="350718" indent="-350718">
               <a:buFont typeface="Arial" panose="020B0604020202020204" pitchFamily="34" charset="0"/>
               <a:buChar char="•"/>
             </a:pPr>
             <a:r>
-              <a:rPr lang="de-DE" sz="2000" baseline="0" dirty="0" smtClean="0">
+              <a:rPr lang="de-DE" sz="2000" dirty="0">
                 <a:sym typeface="Wingdings" panose="05000000000000000000" pitchFamily="2" charset="2"/>
               </a:rPr>
               <a:t>Bei SVN 1. lokale Kopie, 2. Versionsnachverfolgung  Live Demo</a:t>
             </a:r>
           </a:p>
           <a:p>
-            <a:pPr marL="0" indent="0">
-              <a:buFont typeface="Arial" panose="020B0604020202020204" pitchFamily="34" charset="0"/>
-              <a:buNone/>
-            </a:pPr>
             <a:r>
-              <a:rPr lang="de-DE" sz="2000" baseline="0" dirty="0" smtClean="0">
+              <a:rPr lang="de-DE" sz="2000" dirty="0">
                 <a:sym typeface="Wingdings" panose="05000000000000000000" pitchFamily="2" charset="2"/>
               </a:rPr>
               <a:t>Zugriffsbeschränkung</a:t>
             </a:r>
           </a:p>
           <a:p>
-            <a:pPr marL="342900" indent="-342900">
+            <a:pPr marL="350718" indent="-350718">
               <a:buFont typeface="Arial" panose="020B0604020202020204" pitchFamily="34" charset="0"/>
               <a:buChar char="•"/>
             </a:pPr>
             <a:r>
-              <a:rPr lang="de-DE" sz="2000" baseline="0" dirty="0" smtClean="0">
+              <a:rPr lang="de-DE" sz="2000" dirty="0">
                 <a:sym typeface="Wingdings" panose="05000000000000000000" pitchFamily="2" charset="2"/>
               </a:rPr>
               <a:t>Dropbox: Entweder Vollzugriff oder nichts</a:t>
             </a:r>
           </a:p>
           <a:p>
-            <a:pPr marL="342900" indent="-342900">
+            <a:pPr marL="350718" indent="-350718">
               <a:buFont typeface="Arial" panose="020B0604020202020204" pitchFamily="34" charset="0"/>
               <a:buChar char="•"/>
             </a:pPr>
             <a:r>
-              <a:rPr lang="de-DE" sz="2000" baseline="0" dirty="0" smtClean="0">
+              <a:rPr lang="de-DE" sz="2000" dirty="0">
                 <a:sym typeface="Wingdings" panose="05000000000000000000" pitchFamily="2" charset="2"/>
               </a:rPr>
               <a:t>FTP: Nur bestimmte Verzeichnisse, nur Read-</a:t>
             </a:r>
             <a:r>
-              <a:rPr lang="de-DE" sz="2000" baseline="0" dirty="0" err="1" smtClean="0">
+              <a:rPr lang="de-DE" sz="2000" dirty="0" err="1">
                 <a:sym typeface="Wingdings" panose="05000000000000000000" pitchFamily="2" charset="2"/>
               </a:rPr>
               <a:t>Only</a:t>
             </a:r>
-            <a:endParaRPr lang="de-DE" sz="2000" baseline="0" dirty="0" smtClean="0">
+            <a:endParaRPr lang="de-DE" sz="2000" dirty="0">
               <a:sym typeface="Wingdings" panose="05000000000000000000" pitchFamily="2" charset="2"/>
             </a:endParaRPr>
           </a:p>
           <a:p>
-            <a:pPr marL="342900" indent="-342900">
+            <a:pPr marL="350718" indent="-350718">
               <a:buFont typeface="Arial" panose="020B0604020202020204" pitchFamily="34" charset="0"/>
               <a:buChar char="•"/>
             </a:pPr>
             <a:r>
-              <a:rPr lang="de-DE" sz="2000" baseline="0" dirty="0" smtClean="0">
+              <a:rPr lang="de-DE" sz="2000" dirty="0">
                 <a:sym typeface="Wingdings" panose="05000000000000000000" pitchFamily="2" charset="2"/>
               </a:rPr>
               <a:t>SVN: Nur bestimmte Verzeichnisse, nur auschecken, nicht </a:t>
             </a:r>
             <a:r>
-              <a:rPr lang="de-DE" sz="2000" baseline="0" dirty="0" err="1" smtClean="0">
+              <a:rPr lang="de-DE" sz="2000" dirty="0" err="1">
                 <a:sym typeface="Wingdings" panose="05000000000000000000" pitchFamily="2" charset="2"/>
               </a:rPr>
               <a:t>commiten</a:t>
             </a:r>
-            <a:endParaRPr lang="de-DE" sz="2000" baseline="0" dirty="0" smtClean="0">
+            <a:endParaRPr lang="de-DE" sz="2000" dirty="0">
               <a:sym typeface="Wingdings" panose="05000000000000000000" pitchFamily="2" charset="2"/>
             </a:endParaRPr>
           </a:p>
           <a:p>
-            <a:pPr marL="0" indent="0">
-              <a:buFont typeface="Arial" panose="020B0604020202020204" pitchFamily="34" charset="0"/>
-              <a:buNone/>
-            </a:pPr>
             <a:r>
-              <a:rPr lang="de-DE" sz="2000" baseline="0" dirty="0" smtClean="0">
+              <a:rPr lang="de-DE" sz="2000" dirty="0">
                 <a:sym typeface="Wingdings" panose="05000000000000000000" pitchFamily="2" charset="2"/>
               </a:rPr>
               <a:t>Kommentare:</a:t>
             </a:r>
           </a:p>
           <a:p>
-            <a:pPr marL="342900" indent="-342900">
+            <a:pPr marL="350718" indent="-350718">
               <a:buFont typeface="Arial" panose="020B0604020202020204" pitchFamily="34" charset="0"/>
               <a:buChar char="•"/>
             </a:pPr>
             <a:r>
-              <a:rPr lang="de-DE" sz="2000" baseline="0" dirty="0" smtClean="0">
+              <a:rPr lang="de-DE" sz="2000" dirty="0">
                 <a:sym typeface="Wingdings" panose="05000000000000000000" pitchFamily="2" charset="2"/>
               </a:rPr>
               <a:t>Dropbox und FTP nicht möglich, keine Information über Änderungen</a:t>
             </a:r>
           </a:p>
           <a:p>
-            <a:pPr marL="342900" indent="-342900">
+            <a:pPr marL="350718" indent="-350718">
               <a:buFont typeface="Arial" panose="020B0604020202020204" pitchFamily="34" charset="0"/>
               <a:buChar char="•"/>
             </a:pPr>
             <a:r>
-              <a:rPr lang="de-DE" sz="2000" baseline="0" dirty="0" smtClean="0">
+              <a:rPr lang="de-DE" sz="2000" dirty="0">
                 <a:sym typeface="Wingdings" panose="05000000000000000000" pitchFamily="2" charset="2"/>
               </a:rPr>
               <a:t>SVN möglich und sogar manchmal verpflichtend  Änderung klar</a:t>
             </a:r>
           </a:p>
           <a:p>
-            <a:pPr marL="0" indent="0">
-              <a:buFont typeface="Arial" panose="020B0604020202020204" pitchFamily="34" charset="0"/>
-              <a:buNone/>
-            </a:pPr>
             <a:r>
-              <a:rPr lang="de-DE" sz="2000" baseline="0" dirty="0" smtClean="0">
+              <a:rPr lang="de-DE" sz="2000" dirty="0">
                 <a:sym typeface="Wingdings" panose="05000000000000000000" pitchFamily="2" charset="2"/>
               </a:rPr>
               <a:t>IDE-Integration</a:t>
             </a:r>
           </a:p>
           <a:p>
-            <a:pPr marL="342900" indent="-342900">
+            <a:pPr marL="350718" indent="-350718">
               <a:buFont typeface="Arial" panose="020B0604020202020204" pitchFamily="34" charset="0"/>
               <a:buChar char="•"/>
             </a:pPr>
             <a:r>
-              <a:rPr lang="de-DE" sz="2000" baseline="0" dirty="0" smtClean="0">
+              <a:rPr lang="de-DE" sz="2000" dirty="0">
                 <a:sym typeface="Wingdings" panose="05000000000000000000" pitchFamily="2" charset="2"/>
               </a:rPr>
               <a:t>Bei Dropbox schlägt die Änderung sofort durch</a:t>
             </a:r>
           </a:p>
           <a:p>
-            <a:pPr marL="342900" indent="-342900">
+            <a:pPr marL="350718" indent="-350718">
               <a:buFont typeface="Arial" panose="020B0604020202020204" pitchFamily="34" charset="0"/>
               <a:buChar char="•"/>
             </a:pPr>
             <a:r>
-              <a:rPr lang="de-DE" sz="2000" baseline="0" dirty="0" smtClean="0">
+              <a:rPr lang="de-DE" sz="2000" dirty="0">
                 <a:sym typeface="Wingdings" panose="05000000000000000000" pitchFamily="2" charset="2"/>
               </a:rPr>
               <a:t>Bei FTP muss Datei nach Änderung selbst hochgeladen werden</a:t>
             </a:r>
           </a:p>
           <a:p>
-            <a:pPr marL="342900" indent="-342900">
+            <a:pPr marL="350718" indent="-350718">
               <a:buFont typeface="Arial" panose="020B0604020202020204" pitchFamily="34" charset="0"/>
               <a:buChar char="•"/>
             </a:pPr>
             <a:r>
-              <a:rPr lang="de-DE" sz="2000" baseline="0" dirty="0" smtClean="0">
+              <a:rPr lang="de-DE" sz="2000" dirty="0">
                 <a:sym typeface="Wingdings" panose="05000000000000000000" pitchFamily="2" charset="2"/>
               </a:rPr>
               <a:t>Bei SVN kann z. B. </a:t>
             </a:r>
             <a:r>
-              <a:rPr lang="de-DE" sz="2000" baseline="0" dirty="0" err="1" smtClean="0">
+              <a:rPr lang="de-DE" sz="2000" dirty="0" err="1">
                 <a:sym typeface="Wingdings" panose="05000000000000000000" pitchFamily="2" charset="2"/>
               </a:rPr>
               <a:t>Eclipse</a:t>
             </a:r>
             <a:r>
-              <a:rPr lang="de-DE" sz="2000" baseline="0" dirty="0" smtClean="0">
+              <a:rPr lang="de-DE" sz="2000" dirty="0">
                 <a:sym typeface="Wingdings" panose="05000000000000000000" pitchFamily="2" charset="2"/>
               </a:rPr>
               <a:t> das Auschecken und </a:t>
             </a:r>
             <a:r>
-              <a:rPr lang="de-DE" sz="2000" baseline="0" dirty="0" err="1" smtClean="0">
+              <a:rPr lang="de-DE" sz="2000" dirty="0" err="1">
                 <a:sym typeface="Wingdings" panose="05000000000000000000" pitchFamily="2" charset="2"/>
               </a:rPr>
               <a:t>Commiten</a:t>
             </a:r>
             <a:r>
-              <a:rPr lang="de-DE" sz="2000" baseline="0" dirty="0" smtClean="0">
+              <a:rPr lang="de-DE" sz="2000" dirty="0">
                 <a:sym typeface="Wingdings" panose="05000000000000000000" pitchFamily="2" charset="2"/>
               </a:rPr>
               <a:t> übernehmen</a:t>
             </a:r>
           </a:p>
           <a:p>
-            <a:pPr marL="0" indent="0">
-              <a:buFont typeface="Arial" panose="020B0604020202020204" pitchFamily="34" charset="0"/>
-              <a:buNone/>
-            </a:pPr>
             <a:r>
-              <a:rPr lang="de-DE" sz="2000" baseline="0" dirty="0" smtClean="0">
+              <a:rPr lang="de-DE" sz="2000" dirty="0">
                 <a:sym typeface="Wingdings" panose="05000000000000000000" pitchFamily="2" charset="2"/>
               </a:rPr>
               <a:t>Somit sowohl für Entwickler als auch Projektleiter mächtig, da nachvollziehbar wer wann was bearbeitet hat</a:t>
@@ -14955,7 +14927,275 @@
   <p:timing>
     <p:tnLst>
       <p:par>
-        <p:cTn id="1" dur="indefinite" restart="never" nodeType="tmRoot"/>
+        <p:cTn id="1" dur="indefinite" restart="never" nodeType="tmRoot">
+          <p:childTnLst>
+            <p:seq concurrent="1" nextAc="seek">
+              <p:cTn id="2" dur="indefinite" nodeType="mainSeq">
+                <p:childTnLst>
+                  <p:par>
+                    <p:cTn id="3" fill="hold">
+                      <p:stCondLst>
+                        <p:cond delay="indefinite"/>
+                      </p:stCondLst>
+                      <p:childTnLst>
+                        <p:par>
+                          <p:cTn id="4" fill="hold">
+                            <p:stCondLst>
+                              <p:cond delay="0"/>
+                            </p:stCondLst>
+                            <p:childTnLst>
+                              <p:par>
+                                <p:cTn id="5" presetID="1" presetClass="entr" presetSubtype="0" fill="hold" nodeType="clickEffect">
+                                  <p:stCondLst>
+                                    <p:cond delay="0"/>
+                                  </p:stCondLst>
+                                  <p:childTnLst>
+                                    <p:set>
+                                      <p:cBhvr>
+                                        <p:cTn id="6" dur="1" fill="hold">
+                                          <p:stCondLst>
+                                            <p:cond delay="0"/>
+                                          </p:stCondLst>
+                                        </p:cTn>
+                                        <p:tgtEl>
+                                          <p:spTgt spid="4102">
+                                            <p:txEl>
+                                              <p:pRg st="0" end="0"/>
+                                            </p:txEl>
+                                          </p:spTgt>
+                                        </p:tgtEl>
+                                        <p:attrNameLst>
+                                          <p:attrName>style.visibility</p:attrName>
+                                        </p:attrNameLst>
+                                      </p:cBhvr>
+                                      <p:to>
+                                        <p:strVal val="visible"/>
+                                      </p:to>
+                                    </p:set>
+                                  </p:childTnLst>
+                                </p:cTn>
+                              </p:par>
+                            </p:childTnLst>
+                          </p:cTn>
+                        </p:par>
+                      </p:childTnLst>
+                    </p:cTn>
+                  </p:par>
+                  <p:par>
+                    <p:cTn id="7" fill="hold">
+                      <p:stCondLst>
+                        <p:cond delay="indefinite"/>
+                      </p:stCondLst>
+                      <p:childTnLst>
+                        <p:par>
+                          <p:cTn id="8" fill="hold">
+                            <p:stCondLst>
+                              <p:cond delay="0"/>
+                            </p:stCondLst>
+                            <p:childTnLst>
+                              <p:par>
+                                <p:cTn id="9" presetID="1" presetClass="entr" presetSubtype="0" fill="hold" nodeType="clickEffect">
+                                  <p:stCondLst>
+                                    <p:cond delay="0"/>
+                                  </p:stCondLst>
+                                  <p:childTnLst>
+                                    <p:set>
+                                      <p:cBhvr>
+                                        <p:cTn id="10" dur="1" fill="hold">
+                                          <p:stCondLst>
+                                            <p:cond delay="0"/>
+                                          </p:stCondLst>
+                                        </p:cTn>
+                                        <p:tgtEl>
+                                          <p:spTgt spid="4102">
+                                            <p:txEl>
+                                              <p:pRg st="1" end="1"/>
+                                            </p:txEl>
+                                          </p:spTgt>
+                                        </p:tgtEl>
+                                        <p:attrNameLst>
+                                          <p:attrName>style.visibility</p:attrName>
+                                        </p:attrNameLst>
+                                      </p:cBhvr>
+                                      <p:to>
+                                        <p:strVal val="visible"/>
+                                      </p:to>
+                                    </p:set>
+                                  </p:childTnLst>
+                                </p:cTn>
+                              </p:par>
+                            </p:childTnLst>
+                          </p:cTn>
+                        </p:par>
+                      </p:childTnLst>
+                    </p:cTn>
+                  </p:par>
+                  <p:par>
+                    <p:cTn id="11" fill="hold">
+                      <p:stCondLst>
+                        <p:cond delay="indefinite"/>
+                      </p:stCondLst>
+                      <p:childTnLst>
+                        <p:par>
+                          <p:cTn id="12" fill="hold">
+                            <p:stCondLst>
+                              <p:cond delay="0"/>
+                            </p:stCondLst>
+                            <p:childTnLst>
+                              <p:par>
+                                <p:cTn id="13" presetID="1" presetClass="entr" presetSubtype="0" fill="hold" nodeType="clickEffect">
+                                  <p:stCondLst>
+                                    <p:cond delay="0"/>
+                                  </p:stCondLst>
+                                  <p:childTnLst>
+                                    <p:set>
+                                      <p:cBhvr>
+                                        <p:cTn id="14" dur="1" fill="hold">
+                                          <p:stCondLst>
+                                            <p:cond delay="0"/>
+                                          </p:stCondLst>
+                                        </p:cTn>
+                                        <p:tgtEl>
+                                          <p:spTgt spid="4102">
+                                            <p:txEl>
+                                              <p:pRg st="2" end="2"/>
+                                            </p:txEl>
+                                          </p:spTgt>
+                                        </p:tgtEl>
+                                        <p:attrNameLst>
+                                          <p:attrName>style.visibility</p:attrName>
+                                        </p:attrNameLst>
+                                      </p:cBhvr>
+                                      <p:to>
+                                        <p:strVal val="visible"/>
+                                      </p:to>
+                                    </p:set>
+                                  </p:childTnLst>
+                                </p:cTn>
+                              </p:par>
+                            </p:childTnLst>
+                          </p:cTn>
+                        </p:par>
+                      </p:childTnLst>
+                    </p:cTn>
+                  </p:par>
+                  <p:par>
+                    <p:cTn id="15" fill="hold">
+                      <p:stCondLst>
+                        <p:cond delay="indefinite"/>
+                      </p:stCondLst>
+                      <p:childTnLst>
+                        <p:par>
+                          <p:cTn id="16" fill="hold">
+                            <p:stCondLst>
+                              <p:cond delay="0"/>
+                            </p:stCondLst>
+                            <p:childTnLst>
+                              <p:par>
+                                <p:cTn id="17" presetID="1" presetClass="entr" presetSubtype="0" fill="hold" nodeType="clickEffect">
+                                  <p:stCondLst>
+                                    <p:cond delay="0"/>
+                                  </p:stCondLst>
+                                  <p:childTnLst>
+                                    <p:set>
+                                      <p:cBhvr>
+                                        <p:cTn id="18" dur="1" fill="hold">
+                                          <p:stCondLst>
+                                            <p:cond delay="0"/>
+                                          </p:stCondLst>
+                                        </p:cTn>
+                                        <p:tgtEl>
+                                          <p:spTgt spid="4102">
+                                            <p:txEl>
+                                              <p:pRg st="3" end="3"/>
+                                            </p:txEl>
+                                          </p:spTgt>
+                                        </p:tgtEl>
+                                        <p:attrNameLst>
+                                          <p:attrName>style.visibility</p:attrName>
+                                        </p:attrNameLst>
+                                      </p:cBhvr>
+                                      <p:to>
+                                        <p:strVal val="visible"/>
+                                      </p:to>
+                                    </p:set>
+                                  </p:childTnLst>
+                                </p:cTn>
+                              </p:par>
+                            </p:childTnLst>
+                          </p:cTn>
+                        </p:par>
+                      </p:childTnLst>
+                    </p:cTn>
+                  </p:par>
+                  <p:par>
+                    <p:cTn id="19" fill="hold">
+                      <p:stCondLst>
+                        <p:cond delay="indefinite"/>
+                      </p:stCondLst>
+                      <p:childTnLst>
+                        <p:par>
+                          <p:cTn id="20" fill="hold">
+                            <p:stCondLst>
+                              <p:cond delay="0"/>
+                            </p:stCondLst>
+                            <p:childTnLst>
+                              <p:par>
+                                <p:cTn id="21" presetID="1" presetClass="entr" presetSubtype="0" fill="hold" nodeType="clickEffect">
+                                  <p:stCondLst>
+                                    <p:cond delay="0"/>
+                                  </p:stCondLst>
+                                  <p:childTnLst>
+                                    <p:set>
+                                      <p:cBhvr>
+                                        <p:cTn id="22" dur="1" fill="hold">
+                                          <p:stCondLst>
+                                            <p:cond delay="0"/>
+                                          </p:stCondLst>
+                                        </p:cTn>
+                                        <p:tgtEl>
+                                          <p:spTgt spid="4102">
+                                            <p:txEl>
+                                              <p:pRg st="4" end="4"/>
+                                            </p:txEl>
+                                          </p:spTgt>
+                                        </p:tgtEl>
+                                        <p:attrNameLst>
+                                          <p:attrName>style.visibility</p:attrName>
+                                        </p:attrNameLst>
+                                      </p:cBhvr>
+                                      <p:to>
+                                        <p:strVal val="visible"/>
+                                      </p:to>
+                                    </p:set>
+                                  </p:childTnLst>
+                                </p:cTn>
+                              </p:par>
+                            </p:childTnLst>
+                          </p:cTn>
+                        </p:par>
+                      </p:childTnLst>
+                    </p:cTn>
+                  </p:par>
+                </p:childTnLst>
+              </p:cTn>
+              <p:prevCondLst>
+                <p:cond evt="onPrev" delay="0">
+                  <p:tgtEl>
+                    <p:sldTgt/>
+                  </p:tgtEl>
+                </p:cond>
+              </p:prevCondLst>
+              <p:nextCondLst>
+                <p:cond evt="onNext" delay="0">
+                  <p:tgtEl>
+                    <p:sldTgt/>
+                  </p:tgtEl>
+                </p:cond>
+              </p:nextCondLst>
+            </p:seq>
+          </p:childTnLst>
+        </p:cTn>
       </p:par>
     </p:tnLst>
   </p:timing>
@@ -15326,7 +15566,275 @@
   <p:timing>
     <p:tnLst>
       <p:par>
-        <p:cTn id="1" dur="indefinite" restart="never" nodeType="tmRoot"/>
+        <p:cTn id="1" dur="indefinite" restart="never" nodeType="tmRoot">
+          <p:childTnLst>
+            <p:seq concurrent="1" nextAc="seek">
+              <p:cTn id="2" dur="indefinite" nodeType="mainSeq">
+                <p:childTnLst>
+                  <p:par>
+                    <p:cTn id="3" fill="hold">
+                      <p:stCondLst>
+                        <p:cond delay="indefinite"/>
+                      </p:stCondLst>
+                      <p:childTnLst>
+                        <p:par>
+                          <p:cTn id="4" fill="hold">
+                            <p:stCondLst>
+                              <p:cond delay="0"/>
+                            </p:stCondLst>
+                            <p:childTnLst>
+                              <p:par>
+                                <p:cTn id="5" presetID="1" presetClass="entr" presetSubtype="0" fill="hold" nodeType="clickEffect">
+                                  <p:stCondLst>
+                                    <p:cond delay="0"/>
+                                  </p:stCondLst>
+                                  <p:childTnLst>
+                                    <p:set>
+                                      <p:cBhvr>
+                                        <p:cTn id="6" dur="1" fill="hold">
+                                          <p:stCondLst>
+                                            <p:cond delay="0"/>
+                                          </p:stCondLst>
+                                        </p:cTn>
+                                        <p:tgtEl>
+                                          <p:spTgt spid="5">
+                                            <p:txEl>
+                                              <p:pRg st="0" end="0"/>
+                                            </p:txEl>
+                                          </p:spTgt>
+                                        </p:tgtEl>
+                                        <p:attrNameLst>
+                                          <p:attrName>style.visibility</p:attrName>
+                                        </p:attrNameLst>
+                                      </p:cBhvr>
+                                      <p:to>
+                                        <p:strVal val="visible"/>
+                                      </p:to>
+                                    </p:set>
+                                  </p:childTnLst>
+                                </p:cTn>
+                              </p:par>
+                            </p:childTnLst>
+                          </p:cTn>
+                        </p:par>
+                      </p:childTnLst>
+                    </p:cTn>
+                  </p:par>
+                  <p:par>
+                    <p:cTn id="7" fill="hold">
+                      <p:stCondLst>
+                        <p:cond delay="indefinite"/>
+                      </p:stCondLst>
+                      <p:childTnLst>
+                        <p:par>
+                          <p:cTn id="8" fill="hold">
+                            <p:stCondLst>
+                              <p:cond delay="0"/>
+                            </p:stCondLst>
+                            <p:childTnLst>
+                              <p:par>
+                                <p:cTn id="9" presetID="1" presetClass="entr" presetSubtype="0" fill="hold" nodeType="clickEffect">
+                                  <p:stCondLst>
+                                    <p:cond delay="0"/>
+                                  </p:stCondLst>
+                                  <p:childTnLst>
+                                    <p:set>
+                                      <p:cBhvr>
+                                        <p:cTn id="10" dur="1" fill="hold">
+                                          <p:stCondLst>
+                                            <p:cond delay="0"/>
+                                          </p:stCondLst>
+                                        </p:cTn>
+                                        <p:tgtEl>
+                                          <p:spTgt spid="5">
+                                            <p:txEl>
+                                              <p:pRg st="1" end="1"/>
+                                            </p:txEl>
+                                          </p:spTgt>
+                                        </p:tgtEl>
+                                        <p:attrNameLst>
+                                          <p:attrName>style.visibility</p:attrName>
+                                        </p:attrNameLst>
+                                      </p:cBhvr>
+                                      <p:to>
+                                        <p:strVal val="visible"/>
+                                      </p:to>
+                                    </p:set>
+                                  </p:childTnLst>
+                                </p:cTn>
+                              </p:par>
+                            </p:childTnLst>
+                          </p:cTn>
+                        </p:par>
+                      </p:childTnLst>
+                    </p:cTn>
+                  </p:par>
+                  <p:par>
+                    <p:cTn id="11" fill="hold">
+                      <p:stCondLst>
+                        <p:cond delay="indefinite"/>
+                      </p:stCondLst>
+                      <p:childTnLst>
+                        <p:par>
+                          <p:cTn id="12" fill="hold">
+                            <p:stCondLst>
+                              <p:cond delay="0"/>
+                            </p:stCondLst>
+                            <p:childTnLst>
+                              <p:par>
+                                <p:cTn id="13" presetID="1" presetClass="entr" presetSubtype="0" fill="hold" nodeType="clickEffect">
+                                  <p:stCondLst>
+                                    <p:cond delay="0"/>
+                                  </p:stCondLst>
+                                  <p:childTnLst>
+                                    <p:set>
+                                      <p:cBhvr>
+                                        <p:cTn id="14" dur="1" fill="hold">
+                                          <p:stCondLst>
+                                            <p:cond delay="0"/>
+                                          </p:stCondLst>
+                                        </p:cTn>
+                                        <p:tgtEl>
+                                          <p:spTgt spid="5">
+                                            <p:txEl>
+                                              <p:pRg st="3" end="3"/>
+                                            </p:txEl>
+                                          </p:spTgt>
+                                        </p:tgtEl>
+                                        <p:attrNameLst>
+                                          <p:attrName>style.visibility</p:attrName>
+                                        </p:attrNameLst>
+                                      </p:cBhvr>
+                                      <p:to>
+                                        <p:strVal val="visible"/>
+                                      </p:to>
+                                    </p:set>
+                                  </p:childTnLst>
+                                </p:cTn>
+                              </p:par>
+                            </p:childTnLst>
+                          </p:cTn>
+                        </p:par>
+                      </p:childTnLst>
+                    </p:cTn>
+                  </p:par>
+                  <p:par>
+                    <p:cTn id="15" fill="hold">
+                      <p:stCondLst>
+                        <p:cond delay="indefinite"/>
+                      </p:stCondLst>
+                      <p:childTnLst>
+                        <p:par>
+                          <p:cTn id="16" fill="hold">
+                            <p:stCondLst>
+                              <p:cond delay="0"/>
+                            </p:stCondLst>
+                            <p:childTnLst>
+                              <p:par>
+                                <p:cTn id="17" presetID="1" presetClass="entr" presetSubtype="0" fill="hold" nodeType="clickEffect">
+                                  <p:stCondLst>
+                                    <p:cond delay="0"/>
+                                  </p:stCondLst>
+                                  <p:childTnLst>
+                                    <p:set>
+                                      <p:cBhvr>
+                                        <p:cTn id="18" dur="1" fill="hold">
+                                          <p:stCondLst>
+                                            <p:cond delay="0"/>
+                                          </p:stCondLst>
+                                        </p:cTn>
+                                        <p:tgtEl>
+                                          <p:spTgt spid="5">
+                                            <p:txEl>
+                                              <p:pRg st="4" end="4"/>
+                                            </p:txEl>
+                                          </p:spTgt>
+                                        </p:tgtEl>
+                                        <p:attrNameLst>
+                                          <p:attrName>style.visibility</p:attrName>
+                                        </p:attrNameLst>
+                                      </p:cBhvr>
+                                      <p:to>
+                                        <p:strVal val="visible"/>
+                                      </p:to>
+                                    </p:set>
+                                  </p:childTnLst>
+                                </p:cTn>
+                              </p:par>
+                            </p:childTnLst>
+                          </p:cTn>
+                        </p:par>
+                      </p:childTnLst>
+                    </p:cTn>
+                  </p:par>
+                  <p:par>
+                    <p:cTn id="19" fill="hold">
+                      <p:stCondLst>
+                        <p:cond delay="indefinite"/>
+                      </p:stCondLst>
+                      <p:childTnLst>
+                        <p:par>
+                          <p:cTn id="20" fill="hold">
+                            <p:stCondLst>
+                              <p:cond delay="0"/>
+                            </p:stCondLst>
+                            <p:childTnLst>
+                              <p:par>
+                                <p:cTn id="21" presetID="1" presetClass="entr" presetSubtype="0" fill="hold" nodeType="clickEffect">
+                                  <p:stCondLst>
+                                    <p:cond delay="0"/>
+                                  </p:stCondLst>
+                                  <p:childTnLst>
+                                    <p:set>
+                                      <p:cBhvr>
+                                        <p:cTn id="22" dur="1" fill="hold">
+                                          <p:stCondLst>
+                                            <p:cond delay="0"/>
+                                          </p:stCondLst>
+                                        </p:cTn>
+                                        <p:tgtEl>
+                                          <p:spTgt spid="5">
+                                            <p:txEl>
+                                              <p:pRg st="5" end="5"/>
+                                            </p:txEl>
+                                          </p:spTgt>
+                                        </p:tgtEl>
+                                        <p:attrNameLst>
+                                          <p:attrName>style.visibility</p:attrName>
+                                        </p:attrNameLst>
+                                      </p:cBhvr>
+                                      <p:to>
+                                        <p:strVal val="visible"/>
+                                      </p:to>
+                                    </p:set>
+                                  </p:childTnLst>
+                                </p:cTn>
+                              </p:par>
+                            </p:childTnLst>
+                          </p:cTn>
+                        </p:par>
+                      </p:childTnLst>
+                    </p:cTn>
+                  </p:par>
+                </p:childTnLst>
+              </p:cTn>
+              <p:prevCondLst>
+                <p:cond evt="onPrev" delay="0">
+                  <p:tgtEl>
+                    <p:sldTgt/>
+                  </p:tgtEl>
+                </p:cond>
+              </p:prevCondLst>
+              <p:nextCondLst>
+                <p:cond evt="onNext" delay="0">
+                  <p:tgtEl>
+                    <p:sldTgt/>
+                  </p:tgtEl>
+                </p:cond>
+              </p:nextCondLst>
+            </p:seq>
+          </p:childTnLst>
+        </p:cTn>
       </p:par>
     </p:tnLst>
   </p:timing>
@@ -16195,28 +16703,28 @@
                 <a:gridCol w="5650532">
                   <a:extLst>
                     <a:ext uri="{9D8B030D-6E8A-4147-A177-3AD203B41FA5}">
-                      <a16:colId xmlns:a16="http://schemas.microsoft.com/office/drawing/2014/main" xmlns="" val="2518477170"/>
+                      <a16:colId xmlns:a16="http://schemas.microsoft.com/office/drawing/2014/main" val="2518477170"/>
                     </a:ext>
                   </a:extLst>
                 </a:gridCol>
                 <a:gridCol w="1152128">
                   <a:extLst>
                     <a:ext uri="{9D8B030D-6E8A-4147-A177-3AD203B41FA5}">
-                      <a16:colId xmlns:a16="http://schemas.microsoft.com/office/drawing/2014/main" xmlns="" val="779758437"/>
+                      <a16:colId xmlns:a16="http://schemas.microsoft.com/office/drawing/2014/main" val="779758437"/>
                     </a:ext>
                   </a:extLst>
                 </a:gridCol>
                 <a:gridCol w="1152128">
                   <a:extLst>
                     <a:ext uri="{9D8B030D-6E8A-4147-A177-3AD203B41FA5}">
-                      <a16:colId xmlns:a16="http://schemas.microsoft.com/office/drawing/2014/main" xmlns="" val="1401843170"/>
+                      <a16:colId xmlns:a16="http://schemas.microsoft.com/office/drawing/2014/main" val="1401843170"/>
                     </a:ext>
                   </a:extLst>
                 </a:gridCol>
                 <a:gridCol w="1187624">
                   <a:extLst>
                     <a:ext uri="{9D8B030D-6E8A-4147-A177-3AD203B41FA5}">
-                      <a16:colId xmlns:a16="http://schemas.microsoft.com/office/drawing/2014/main" xmlns="" val="670634623"/>
+                      <a16:colId xmlns:a16="http://schemas.microsoft.com/office/drawing/2014/main" val="670634623"/>
                     </a:ext>
                   </a:extLst>
                 </a:gridCol>
@@ -16280,7 +16788,7 @@
                 </a:tc>
                 <a:extLst>
                   <a:ext uri="{0D108BD9-81ED-4DB2-BD59-A6C34878D82A}">
-                    <a16:rowId xmlns:a16="http://schemas.microsoft.com/office/drawing/2014/main" xmlns="" val="2371305242"/>
+                    <a16:rowId xmlns:a16="http://schemas.microsoft.com/office/drawing/2014/main" val="2371305242"/>
                   </a:ext>
                 </a:extLst>
               </a:tr>
@@ -16335,7 +16843,7 @@
                 </a:tc>
                 <a:extLst>
                   <a:ext uri="{0D108BD9-81ED-4DB2-BD59-A6C34878D82A}">
-                    <a16:rowId xmlns:a16="http://schemas.microsoft.com/office/drawing/2014/main" xmlns="" val="2686105350"/>
+                    <a16:rowId xmlns:a16="http://schemas.microsoft.com/office/drawing/2014/main" val="2686105350"/>
                   </a:ext>
                 </a:extLst>
               </a:tr>
@@ -16386,7 +16894,7 @@
                 </a:tc>
                 <a:extLst>
                   <a:ext uri="{0D108BD9-81ED-4DB2-BD59-A6C34878D82A}">
-                    <a16:rowId xmlns:a16="http://schemas.microsoft.com/office/drawing/2014/main" xmlns="" val="4131760991"/>
+                    <a16:rowId xmlns:a16="http://schemas.microsoft.com/office/drawing/2014/main" val="4131760991"/>
                   </a:ext>
                 </a:extLst>
               </a:tr>
@@ -16437,7 +16945,7 @@
                 </a:tc>
                 <a:extLst>
                   <a:ext uri="{0D108BD9-81ED-4DB2-BD59-A6C34878D82A}">
-                    <a16:rowId xmlns:a16="http://schemas.microsoft.com/office/drawing/2014/main" xmlns="" val="1640731091"/>
+                    <a16:rowId xmlns:a16="http://schemas.microsoft.com/office/drawing/2014/main" val="1640731091"/>
                   </a:ext>
                 </a:extLst>
               </a:tr>
@@ -16488,7 +16996,7 @@
                 </a:tc>
                 <a:extLst>
                   <a:ext uri="{0D108BD9-81ED-4DB2-BD59-A6C34878D82A}">
-                    <a16:rowId xmlns:a16="http://schemas.microsoft.com/office/drawing/2014/main" xmlns="" val="1854326208"/>
+                    <a16:rowId xmlns:a16="http://schemas.microsoft.com/office/drawing/2014/main" val="1854326208"/>
                   </a:ext>
                 </a:extLst>
               </a:tr>
@@ -16543,7 +17051,7 @@
                 </a:tc>
                 <a:extLst>
                   <a:ext uri="{0D108BD9-81ED-4DB2-BD59-A6C34878D82A}">
-                    <a16:rowId xmlns:a16="http://schemas.microsoft.com/office/drawing/2014/main" xmlns="" val="3598192941"/>
+                    <a16:rowId xmlns:a16="http://schemas.microsoft.com/office/drawing/2014/main" val="3598192941"/>
                   </a:ext>
                 </a:extLst>
               </a:tr>
@@ -16598,7 +17106,7 @@
                 </a:tc>
                 <a:extLst>
                   <a:ext uri="{0D108BD9-81ED-4DB2-BD59-A6C34878D82A}">
-                    <a16:rowId xmlns:a16="http://schemas.microsoft.com/office/drawing/2014/main" xmlns="" val="1297264465"/>
+                    <a16:rowId xmlns:a16="http://schemas.microsoft.com/office/drawing/2014/main" val="1297264465"/>
                   </a:ext>
                 </a:extLst>
               </a:tr>
@@ -16653,7 +17161,7 @@
                 </a:tc>
                 <a:extLst>
                   <a:ext uri="{0D108BD9-81ED-4DB2-BD59-A6C34878D82A}">
-                    <a16:rowId xmlns:a16="http://schemas.microsoft.com/office/drawing/2014/main" xmlns="" val="1000520693"/>
+                    <a16:rowId xmlns:a16="http://schemas.microsoft.com/office/drawing/2014/main" val="1000520693"/>
                   </a:ext>
                 </a:extLst>
               </a:tr>
@@ -16704,7 +17212,7 @@
                 </a:tc>
                 <a:extLst>
                   <a:ext uri="{0D108BD9-81ED-4DB2-BD59-A6C34878D82A}">
-                    <a16:rowId xmlns:a16="http://schemas.microsoft.com/office/drawing/2014/main" xmlns="" val="4051885982"/>
+                    <a16:rowId xmlns:a16="http://schemas.microsoft.com/office/drawing/2014/main" val="4051885982"/>
                   </a:ext>
                 </a:extLst>
               </a:tr>
@@ -16755,7 +17263,7 @@
                 </a:tc>
                 <a:extLst>
                   <a:ext uri="{0D108BD9-81ED-4DB2-BD59-A6C34878D82A}">
-                    <a16:rowId xmlns:a16="http://schemas.microsoft.com/office/drawing/2014/main" xmlns="" val="3465295697"/>
+                    <a16:rowId xmlns:a16="http://schemas.microsoft.com/office/drawing/2014/main" val="3465295697"/>
                   </a:ext>
                 </a:extLst>
               </a:tr>
@@ -16810,7 +17318,7 @@
                 </a:tc>
                 <a:extLst>
                   <a:ext uri="{0D108BD9-81ED-4DB2-BD59-A6C34878D82A}">
-                    <a16:rowId xmlns:a16="http://schemas.microsoft.com/office/drawing/2014/main" xmlns="" val="3610551088"/>
+                    <a16:rowId xmlns:a16="http://schemas.microsoft.com/office/drawing/2014/main" val="3610551088"/>
                   </a:ext>
                 </a:extLst>
               </a:tr>
